--- a/docs/basic_instruction.pptx
+++ b/docs/basic_instruction.pptx
@@ -4,18 +4,20 @@
   <p:sldMasterIdLst>
     <p:sldMasterId id="2147483723" r:id="rId1"/>
     <p:sldMasterId id="2147483764" r:id="rId2"/>
+    <p:sldMasterId id="2147483767" r:id="rId3"/>
+    <p:sldMasterId id="2147483771" r:id="rId4"/>
   </p:sldMasterIdLst>
   <p:notesMasterIdLst>
-    <p:notesMasterId r:id="rId7"/>
+    <p:notesMasterId r:id="rId9"/>
   </p:notesMasterIdLst>
   <p:handoutMasterIdLst>
-    <p:handoutMasterId r:id="rId8"/>
+    <p:handoutMasterId r:id="rId10"/>
   </p:handoutMasterIdLst>
   <p:sldIdLst>
-    <p:sldId id="1818" r:id="rId3"/>
-    <p:sldId id="1819" r:id="rId4"/>
-    <p:sldId id="1820" r:id="rId5"/>
-    <p:sldId id="1821" r:id="rId6"/>
+    <p:sldId id="1818" r:id="rId5"/>
+    <p:sldId id="1819" r:id="rId6"/>
+    <p:sldId id="1820" r:id="rId7"/>
+    <p:sldId id="1821" r:id="rId8"/>
   </p:sldIdLst>
   <p:sldSz cx="12192000" cy="6858000"/>
   <p:notesSz cx="9855200" cy="6718300"/>
@@ -230,7 +232,7 @@
             <a:fld id="{CBB9F822-20A6-4077-B37E-B4DCADC64AF5}" type="datetimeFigureOut">
               <a:rPr lang="ko-KR" altLang="en-US" smtClean="0"/>
               <a:pPr/>
-              <a:t>2020. 7. 13.</a:t>
+              <a:t>2024. 12. 20.</a:t>
             </a:fld>
             <a:endParaRPr lang="ko-KR" altLang="en-US"/>
           </a:p>
@@ -397,7 +399,7 @@
             <a:fld id="{E0DFD4FD-58B1-4829-8BDD-B87221FB7E76}" type="datetimeFigureOut">
               <a:rPr lang="ko-KR" altLang="en-US" smtClean="0"/>
               <a:pPr/>
-              <a:t>2020. 7. 13.</a:t>
+              <a:t>2024. 12. 20.</a:t>
             </a:fld>
             <a:endParaRPr lang="ko-KR" altLang="en-US"/>
           </a:p>
@@ -1533,6 +1535,865 @@
     <p:extLst>
       <p:ext uri="{BB962C8B-B14F-4D97-AF65-F5344CB8AC3E}">
         <p14:creationId xmlns:p14="http://schemas.microsoft.com/office/powerpoint/2010/main" val="1792483215"/>
+      </p:ext>
+    </p:extLst>
+  </p:cSld>
+  <p:clrMapOvr>
+    <a:masterClrMapping/>
+  </p:clrMapOvr>
+</p:sldLayout>
+</file>
+
+<file path=ppt/slideLayouts/slideLayout13.xml><?xml version="1.0" encoding="utf-8"?>
+<p:sldLayout xmlns:a="http://schemas.openxmlformats.org/drawingml/2006/main" xmlns:r="http://schemas.openxmlformats.org/officeDocument/2006/relationships" xmlns:p="http://schemas.openxmlformats.org/presentationml/2006/main" preserve="1">
+  <p:cSld name="1_사용자 지정 레이아웃">
+    <p:spTree>
+      <p:nvGrpSpPr>
+        <p:cNvPr id="1" name=""/>
+        <p:cNvGrpSpPr/>
+        <p:nvPr/>
+      </p:nvGrpSpPr>
+      <p:grpSpPr>
+        <a:xfrm>
+          <a:off x="0" y="0"/>
+          <a:ext cx="0" cy="0"/>
+          <a:chOff x="0" y="0"/>
+          <a:chExt cx="0" cy="0"/>
+        </a:xfrm>
+      </p:grpSpPr>
+      <p:sp>
+        <p:nvSpPr>
+          <p:cNvPr id="2" name="제목 1">
+            <a:extLst>
+              <a:ext uri="{FF2B5EF4-FFF2-40B4-BE49-F238E27FC236}">
+                <a16:creationId xmlns:a16="http://schemas.microsoft.com/office/drawing/2014/main" id="{E3E1A4C1-16A1-4D4C-9172-88389842B7D4}"/>
+              </a:ext>
+            </a:extLst>
+          </p:cNvPr>
+          <p:cNvSpPr>
+            <a:spLocks noGrp="1"/>
+          </p:cNvSpPr>
+          <p:nvPr>
+            <p:ph type="title" hasCustomPrompt="1"/>
+          </p:nvPr>
+        </p:nvSpPr>
+        <p:spPr/>
+        <p:txBody>
+          <a:bodyPr/>
+          <a:lstStyle/>
+          <a:p>
+            <a:r>
+              <a:rPr kumimoji="1" lang="en-US" altLang="ko-KR" dirty="0"/>
+              <a:t>ABCD</a:t>
+            </a:r>
+            <a:endParaRPr kumimoji="1" lang="ko-Kore-KR" altLang="en-US" dirty="0"/>
+          </a:p>
+        </p:txBody>
+      </p:sp>
+      <p:sp>
+        <p:nvSpPr>
+          <p:cNvPr id="3" name="슬라이드 번호 개체 틀 2">
+            <a:extLst>
+              <a:ext uri="{FF2B5EF4-FFF2-40B4-BE49-F238E27FC236}">
+                <a16:creationId xmlns:a16="http://schemas.microsoft.com/office/drawing/2014/main" id="{30FFBD54-62F8-9548-BC1B-8696BDD05ECE}"/>
+              </a:ext>
+            </a:extLst>
+          </p:cNvPr>
+          <p:cNvSpPr>
+            <a:spLocks noGrp="1"/>
+          </p:cNvSpPr>
+          <p:nvPr>
+            <p:ph type="sldNum" sz="quarter" idx="10"/>
+          </p:nvPr>
+        </p:nvSpPr>
+        <p:spPr/>
+        <p:txBody>
+          <a:bodyPr/>
+          <a:lstStyle/>
+          <a:p>
+            <a:pPr>
+              <a:defRPr/>
+            </a:pPr>
+            <a:fld id="{14E4A2D2-BEC0-429B-B11A-7A5C21D57A70}" type="slidenum">
+              <a:rPr lang="ko-KR" altLang="en-US" smtClean="0">
+                <a:solidFill>
+                  <a:srgbClr val="000000">
+                    <a:lumMod val="65000"/>
+                    <a:lumOff val="35000"/>
+                  </a:srgbClr>
+                </a:solidFill>
+              </a:rPr>
+              <a:pPr>
+                <a:defRPr/>
+              </a:pPr>
+              <a:t>‹#›</a:t>
+            </a:fld>
+            <a:endParaRPr lang="ko-KR" altLang="en-US">
+              <a:solidFill>
+                <a:srgbClr val="000000">
+                  <a:lumMod val="65000"/>
+                  <a:lumOff val="35000"/>
+                </a:srgbClr>
+              </a:solidFill>
+            </a:endParaRPr>
+          </a:p>
+        </p:txBody>
+      </p:sp>
+      <p:sp>
+        <p:nvSpPr>
+          <p:cNvPr id="6" name="내용 개체 틀 5">
+            <a:extLst>
+              <a:ext uri="{FF2B5EF4-FFF2-40B4-BE49-F238E27FC236}">
+                <a16:creationId xmlns:a16="http://schemas.microsoft.com/office/drawing/2014/main" id="{5A1BF3E4-A25C-4C4A-BF4B-D1C30A7AD523}"/>
+              </a:ext>
+            </a:extLst>
+          </p:cNvPr>
+          <p:cNvSpPr>
+            <a:spLocks noGrp="1"/>
+          </p:cNvSpPr>
+          <p:nvPr>
+            <p:ph sz="quarter" idx="11" hasCustomPrompt="1"/>
+          </p:nvPr>
+        </p:nvSpPr>
+        <p:spPr>
+          <a:xfrm>
+            <a:off x="172971" y="818331"/>
+            <a:ext cx="11858608" cy="5563218"/>
+          </a:xfrm>
+          <a:noFill/>
+        </p:spPr>
+        <p:txBody>
+          <a:bodyPr/>
+          <a:lstStyle>
+            <a:lvl1pPr latinLnBrk="0">
+              <a:defRPr/>
+            </a:lvl1pPr>
+            <a:lvl2pPr latinLnBrk="0">
+              <a:defRPr sz="1900"/>
+            </a:lvl2pPr>
+            <a:lvl3pPr latinLnBrk="0">
+              <a:defRPr sz="1900"/>
+            </a:lvl3pPr>
+            <a:lvl4pPr latinLnBrk="0">
+              <a:defRPr sz="1900"/>
+            </a:lvl4pPr>
+            <a:lvl5pPr latinLnBrk="0">
+              <a:defRPr sz="1900"/>
+            </a:lvl5pPr>
+          </a:lstStyle>
+          <a:p>
+            <a:pPr lvl="0"/>
+            <a:r>
+              <a:rPr kumimoji="1" lang="en-US" altLang="ko-KR" dirty="0"/>
+              <a:t>ABCD</a:t>
+            </a:r>
+            <a:endParaRPr kumimoji="1" lang="ko-KR" altLang="en-US" dirty="0"/>
+          </a:p>
+          <a:p>
+            <a:pPr lvl="1"/>
+            <a:r>
+              <a:rPr kumimoji="1" lang="en-US" altLang="ko-KR" dirty="0"/>
+              <a:t>ABCD</a:t>
+            </a:r>
+            <a:endParaRPr kumimoji="1" lang="ko-KR" altLang="en-US" dirty="0"/>
+          </a:p>
+          <a:p>
+            <a:pPr lvl="2"/>
+            <a:r>
+              <a:rPr kumimoji="1" lang="en-US" altLang="ko-KR" dirty="0"/>
+              <a:t>ABCD</a:t>
+            </a:r>
+            <a:endParaRPr kumimoji="1" lang="ko-KR" altLang="en-US" dirty="0"/>
+          </a:p>
+          <a:p>
+            <a:pPr lvl="3"/>
+            <a:r>
+              <a:rPr kumimoji="1" lang="en-US" altLang="ko-KR" dirty="0"/>
+              <a:t>ABCD</a:t>
+            </a:r>
+            <a:endParaRPr kumimoji="1" lang="ko-KR" altLang="en-US" dirty="0"/>
+          </a:p>
+          <a:p>
+            <a:pPr lvl="4"/>
+            <a:r>
+              <a:rPr kumimoji="1" lang="en-US" altLang="ko-KR" dirty="0"/>
+              <a:t>ABCD</a:t>
+            </a:r>
+            <a:endParaRPr kumimoji="1" lang="ko-Kore-KR" altLang="en-US" dirty="0"/>
+          </a:p>
+        </p:txBody>
+      </p:sp>
+    </p:spTree>
+    <p:extLst>
+      <p:ext uri="{BB962C8B-B14F-4D97-AF65-F5344CB8AC3E}">
+        <p14:creationId xmlns:p14="http://schemas.microsoft.com/office/powerpoint/2010/main" val="3092506575"/>
+      </p:ext>
+    </p:extLst>
+  </p:cSld>
+  <p:clrMapOvr>
+    <a:masterClrMapping/>
+  </p:clrMapOvr>
+  <p:hf hdr="0" ftr="0" dt="0"/>
+</p:sldLayout>
+</file>
+
+<file path=ppt/slideLayouts/slideLayout14.xml><?xml version="1.0" encoding="utf-8"?>
+<p:sldLayout xmlns:a="http://schemas.openxmlformats.org/drawingml/2006/main" xmlns:r="http://schemas.openxmlformats.org/officeDocument/2006/relationships" xmlns:p="http://schemas.openxmlformats.org/presentationml/2006/main" type="blank">
+  <p:cSld name="빈 화면">
+    <p:spTree>
+      <p:nvGrpSpPr>
+        <p:cNvPr id="1" name=""/>
+        <p:cNvGrpSpPr/>
+        <p:nvPr/>
+      </p:nvGrpSpPr>
+      <p:grpSpPr>
+        <a:xfrm>
+          <a:off x="0" y="0"/>
+          <a:ext cx="0" cy="0"/>
+          <a:chOff x="0" y="0"/>
+          <a:chExt cx="0" cy="0"/>
+        </a:xfrm>
+      </p:grpSpPr>
+      <p:sp>
+        <p:nvSpPr>
+          <p:cNvPr id="2" name="날짜 개체 틀 1">
+            <a:extLst>
+              <a:ext uri="{FF2B5EF4-FFF2-40B4-BE49-F238E27FC236}">
+                <a16:creationId xmlns:a16="http://schemas.microsoft.com/office/drawing/2014/main" id="{7EEE8166-0884-3C43-8976-041D733D6319}"/>
+              </a:ext>
+            </a:extLst>
+          </p:cNvPr>
+          <p:cNvSpPr>
+            <a:spLocks noGrp="1"/>
+          </p:cNvSpPr>
+          <p:nvPr>
+            <p:ph type="dt" sz="half" idx="10"/>
+          </p:nvPr>
+        </p:nvSpPr>
+        <p:spPr/>
+        <p:txBody>
+          <a:bodyPr/>
+          <a:lstStyle/>
+          <a:p>
+            <a:endParaRPr kumimoji="1" lang="ko-Kore-KR" altLang="en-US"/>
+          </a:p>
+        </p:txBody>
+      </p:sp>
+      <p:sp>
+        <p:nvSpPr>
+          <p:cNvPr id="3" name="바닥글 개체 틀 2">
+            <a:extLst>
+              <a:ext uri="{FF2B5EF4-FFF2-40B4-BE49-F238E27FC236}">
+                <a16:creationId xmlns:a16="http://schemas.microsoft.com/office/drawing/2014/main" id="{DE55EF6E-2B21-B54C-9639-6D9F958B5156}"/>
+              </a:ext>
+            </a:extLst>
+          </p:cNvPr>
+          <p:cNvSpPr>
+            <a:spLocks noGrp="1"/>
+          </p:cNvSpPr>
+          <p:nvPr>
+            <p:ph type="ftr" sz="quarter" idx="11"/>
+          </p:nvPr>
+        </p:nvSpPr>
+        <p:spPr/>
+        <p:txBody>
+          <a:bodyPr/>
+          <a:lstStyle/>
+          <a:p>
+            <a:endParaRPr kumimoji="1" lang="ko-Kore-KR" altLang="en-US"/>
+          </a:p>
+        </p:txBody>
+      </p:sp>
+      <p:sp>
+        <p:nvSpPr>
+          <p:cNvPr id="4" name="슬라이드 번호 개체 틀 3">
+            <a:extLst>
+              <a:ext uri="{FF2B5EF4-FFF2-40B4-BE49-F238E27FC236}">
+                <a16:creationId xmlns:a16="http://schemas.microsoft.com/office/drawing/2014/main" id="{A1ABDF91-54BE-EE45-8F59-26A56161F388}"/>
+              </a:ext>
+            </a:extLst>
+          </p:cNvPr>
+          <p:cNvSpPr>
+            <a:spLocks noGrp="1"/>
+          </p:cNvSpPr>
+          <p:nvPr>
+            <p:ph type="sldNum" sz="quarter" idx="12"/>
+          </p:nvPr>
+        </p:nvSpPr>
+        <p:spPr/>
+        <p:txBody>
+          <a:bodyPr/>
+          <a:lstStyle/>
+          <a:p>
+            <a:pPr>
+              <a:defRPr/>
+            </a:pPr>
+            <a:fld id="{14E4A2D2-BEC0-429B-B11A-7A5C21D57A70}" type="slidenum">
+              <a:rPr lang="ko-KR" altLang="en-US" smtClean="0">
+                <a:solidFill>
+                  <a:srgbClr val="000000">
+                    <a:lumMod val="65000"/>
+                    <a:lumOff val="35000"/>
+                  </a:srgbClr>
+                </a:solidFill>
+              </a:rPr>
+              <a:pPr>
+                <a:defRPr/>
+              </a:pPr>
+              <a:t>‹#›</a:t>
+            </a:fld>
+            <a:endParaRPr lang="ko-KR" altLang="en-US">
+              <a:solidFill>
+                <a:srgbClr val="000000">
+                  <a:lumMod val="65000"/>
+                  <a:lumOff val="35000"/>
+                </a:srgbClr>
+              </a:solidFill>
+            </a:endParaRPr>
+          </a:p>
+        </p:txBody>
+      </p:sp>
+    </p:spTree>
+    <p:extLst>
+      <p:ext uri="{BB962C8B-B14F-4D97-AF65-F5344CB8AC3E}">
+        <p14:creationId xmlns:p14="http://schemas.microsoft.com/office/powerpoint/2010/main" val="2359332122"/>
+      </p:ext>
+    </p:extLst>
+  </p:cSld>
+  <p:clrMapOvr>
+    <a:masterClrMapping/>
+  </p:clrMapOvr>
+  <p:hf hdr="0" ftr="0" dt="0"/>
+</p:sldLayout>
+</file>
+
+<file path=ppt/slideLayouts/slideLayout15.xml><?xml version="1.0" encoding="utf-8"?>
+<p:sldLayout xmlns:a="http://schemas.openxmlformats.org/drawingml/2006/main" xmlns:r="http://schemas.openxmlformats.org/officeDocument/2006/relationships" xmlns:p="http://schemas.openxmlformats.org/presentationml/2006/main" userDrawn="1">
+  <p:cSld name="Title and Content">
+    <p:spTree>
+      <p:nvGrpSpPr>
+        <p:cNvPr id="1" name=""/>
+        <p:cNvGrpSpPr/>
+        <p:nvPr/>
+      </p:nvGrpSpPr>
+      <p:grpSpPr>
+        <a:xfrm>
+          <a:off x="0" y="0"/>
+          <a:ext cx="0" cy="0"/>
+          <a:chOff x="0" y="0"/>
+          <a:chExt cx="0" cy="0"/>
+        </a:xfrm>
+      </p:grpSpPr>
+      <p:sp>
+        <p:nvSpPr>
+          <p:cNvPr id="2" name="Title 1"/>
+          <p:cNvSpPr>
+            <a:spLocks noGrp="1"/>
+          </p:cNvSpPr>
+          <p:nvPr>
+            <p:ph type="title"/>
+          </p:nvPr>
+        </p:nvSpPr>
+        <p:spPr>
+          <a:xfrm>
+            <a:off x="-48683" y="-27384"/>
+            <a:ext cx="12240683" cy="936104"/>
+          </a:xfrm>
+        </p:spPr>
+        <p:txBody>
+          <a:bodyPr/>
+          <a:lstStyle>
+            <a:lvl1pPr>
+              <a:defRPr sz="4000"/>
+            </a:lvl1pPr>
+          </a:lstStyle>
+          <a:p>
+            <a:r>
+              <a:rPr lang="en-US" dirty="0"/>
+              <a:t>Click to edit Master title style</a:t>
+            </a:r>
+          </a:p>
+        </p:txBody>
+      </p:sp>
+      <p:sp>
+        <p:nvSpPr>
+          <p:cNvPr id="3" name="Content Placeholder 2"/>
+          <p:cNvSpPr>
+            <a:spLocks noGrp="1"/>
+          </p:cNvSpPr>
+          <p:nvPr>
+            <p:ph idx="1"/>
+          </p:nvPr>
+        </p:nvSpPr>
+        <p:spPr>
+          <a:xfrm>
+            <a:off x="239377" y="1052736"/>
+            <a:ext cx="11684000" cy="4953000"/>
+          </a:xfrm>
+          <a:prstGeom prst="rect">
+            <a:avLst/>
+          </a:prstGeom>
+        </p:spPr>
+        <p:txBody>
+          <a:bodyPr/>
+          <a:lstStyle>
+            <a:lvl1pPr marL="342900" indent="-342900">
+              <a:buFont typeface="Wingdings" panose="05000000000000000000" pitchFamily="2" charset="2"/>
+              <a:buChar char="§"/>
+              <a:defRPr sz="2800"/>
+            </a:lvl1pPr>
+            <a:lvl2pPr>
+              <a:defRPr sz="2400"/>
+            </a:lvl2pPr>
+            <a:lvl3pPr>
+              <a:defRPr sz="2400"/>
+            </a:lvl3pPr>
+            <a:lvl4pPr>
+              <a:defRPr sz="2400"/>
+            </a:lvl4pPr>
+            <a:lvl5pPr>
+              <a:defRPr sz="2400"/>
+            </a:lvl5pPr>
+          </a:lstStyle>
+          <a:p>
+            <a:pPr lvl="0"/>
+            <a:r>
+              <a:rPr lang="en-US" dirty="0"/>
+              <a:t>Click to edit Master text styles</a:t>
+            </a:r>
+          </a:p>
+          <a:p>
+            <a:pPr lvl="1"/>
+            <a:r>
+              <a:rPr lang="en-US" dirty="0"/>
+              <a:t>Second level</a:t>
+            </a:r>
+          </a:p>
+          <a:p>
+            <a:pPr lvl="2"/>
+            <a:r>
+              <a:rPr lang="en-US" dirty="0"/>
+              <a:t>Third level</a:t>
+            </a:r>
+          </a:p>
+          <a:p>
+            <a:pPr lvl="3"/>
+            <a:r>
+              <a:rPr lang="en-US" dirty="0"/>
+              <a:t>Fourth level</a:t>
+            </a:r>
+          </a:p>
+          <a:p>
+            <a:pPr lvl="4"/>
+            <a:r>
+              <a:rPr lang="en-US" dirty="0"/>
+              <a:t>Fifth level</a:t>
+            </a:r>
+          </a:p>
+        </p:txBody>
+      </p:sp>
+      <p:sp>
+        <p:nvSpPr>
+          <p:cNvPr id="4" name="슬라이드 번호 개체 틀 3"/>
+          <p:cNvSpPr>
+            <a:spLocks noGrp="1"/>
+          </p:cNvSpPr>
+          <p:nvPr>
+            <p:ph type="sldNum" sz="quarter" idx="10"/>
+          </p:nvPr>
+        </p:nvSpPr>
+        <p:spPr>
+          <a:xfrm>
+            <a:off x="11381317" y="6530873"/>
+            <a:ext cx="810683" cy="290513"/>
+          </a:xfrm>
+        </p:spPr>
+        <p:txBody>
+          <a:bodyPr/>
+          <a:lstStyle>
+            <a:lvl1pPr>
+              <a:defRPr sz="1800"/>
+            </a:lvl1pPr>
+          </a:lstStyle>
+          <a:p>
+            <a:pPr>
+              <a:defRPr/>
+            </a:pPr>
+            <a:fld id="{B8D714B6-0655-4B08-88F1-AA8E62359572}" type="slidenum">
+              <a:rPr lang="ko-KR" altLang="en-US" smtClean="0">
+                <a:solidFill>
+                  <a:srgbClr val="000000">
+                    <a:lumMod val="65000"/>
+                    <a:lumOff val="35000"/>
+                  </a:srgbClr>
+                </a:solidFill>
+              </a:rPr>
+              <a:pPr>
+                <a:defRPr/>
+              </a:pPr>
+              <a:t>‹#›</a:t>
+            </a:fld>
+            <a:r>
+              <a:rPr lang="en-US" altLang="ko-KR" dirty="0">
+                <a:solidFill>
+                  <a:srgbClr val="000000">
+                    <a:lumMod val="65000"/>
+                    <a:lumOff val="35000"/>
+                  </a:srgbClr>
+                </a:solidFill>
+              </a:rPr>
+              <a:t>    </a:t>
+            </a:r>
+            <a:endParaRPr lang="ko-KR" altLang="en-US" dirty="0">
+              <a:solidFill>
+                <a:srgbClr val="000000">
+                  <a:lumMod val="65000"/>
+                  <a:lumOff val="35000"/>
+                </a:srgbClr>
+              </a:solidFill>
+            </a:endParaRPr>
+          </a:p>
+        </p:txBody>
+      </p:sp>
+    </p:spTree>
+    <p:extLst>
+      <p:ext uri="{BB962C8B-B14F-4D97-AF65-F5344CB8AC3E}">
+        <p14:creationId xmlns:p14="http://schemas.microsoft.com/office/powerpoint/2010/main" val="4227119112"/>
+      </p:ext>
+    </p:extLst>
+  </p:cSld>
+  <p:clrMapOvr>
+    <a:masterClrMapping/>
+  </p:clrMapOvr>
+</p:sldLayout>
+</file>
+
+<file path=ppt/slideLayouts/slideLayout16.xml><?xml version="1.0" encoding="utf-8"?>
+<p:sldLayout xmlns:a="http://schemas.openxmlformats.org/drawingml/2006/main" xmlns:r="http://schemas.openxmlformats.org/officeDocument/2006/relationships" xmlns:p="http://schemas.openxmlformats.org/presentationml/2006/main" type="blank" preserve="1">
+  <p:cSld name="빈 화면">
+    <p:spTree>
+      <p:nvGrpSpPr>
+        <p:cNvPr id="1" name=""/>
+        <p:cNvGrpSpPr/>
+        <p:nvPr/>
+      </p:nvGrpSpPr>
+      <p:grpSpPr>
+        <a:xfrm>
+          <a:off x="0" y="0"/>
+          <a:ext cx="0" cy="0"/>
+          <a:chOff x="0" y="0"/>
+          <a:chExt cx="0" cy="0"/>
+        </a:xfrm>
+      </p:grpSpPr>
+      <p:sp>
+        <p:nvSpPr>
+          <p:cNvPr id="2" name="날짜 개체 틀 1">
+            <a:extLst>
+              <a:ext uri="{FF2B5EF4-FFF2-40B4-BE49-F238E27FC236}">
+                <a16:creationId xmlns:a16="http://schemas.microsoft.com/office/drawing/2014/main" id="{7EEE8166-0884-3C43-8976-041D733D6319}"/>
+              </a:ext>
+            </a:extLst>
+          </p:cNvPr>
+          <p:cNvSpPr>
+            <a:spLocks noGrp="1"/>
+          </p:cNvSpPr>
+          <p:nvPr>
+            <p:ph type="dt" sz="half" idx="10"/>
+          </p:nvPr>
+        </p:nvSpPr>
+        <p:spPr/>
+        <p:txBody>
+          <a:bodyPr/>
+          <a:lstStyle/>
+          <a:p>
+            <a:endParaRPr kumimoji="1" lang="ko-Kore-KR" altLang="en-US"/>
+          </a:p>
+        </p:txBody>
+      </p:sp>
+      <p:sp>
+        <p:nvSpPr>
+          <p:cNvPr id="3" name="바닥글 개체 틀 2">
+            <a:extLst>
+              <a:ext uri="{FF2B5EF4-FFF2-40B4-BE49-F238E27FC236}">
+                <a16:creationId xmlns:a16="http://schemas.microsoft.com/office/drawing/2014/main" id="{DE55EF6E-2B21-B54C-9639-6D9F958B5156}"/>
+              </a:ext>
+            </a:extLst>
+          </p:cNvPr>
+          <p:cNvSpPr>
+            <a:spLocks noGrp="1"/>
+          </p:cNvSpPr>
+          <p:nvPr>
+            <p:ph type="ftr" sz="quarter" idx="11"/>
+          </p:nvPr>
+        </p:nvSpPr>
+        <p:spPr/>
+        <p:txBody>
+          <a:bodyPr/>
+          <a:lstStyle/>
+          <a:p>
+            <a:endParaRPr kumimoji="1" lang="ko-Kore-KR" altLang="en-US"/>
+          </a:p>
+        </p:txBody>
+      </p:sp>
+      <p:sp>
+        <p:nvSpPr>
+          <p:cNvPr id="4" name="슬라이드 번호 개체 틀 3">
+            <a:extLst>
+              <a:ext uri="{FF2B5EF4-FFF2-40B4-BE49-F238E27FC236}">
+                <a16:creationId xmlns:a16="http://schemas.microsoft.com/office/drawing/2014/main" id="{A1ABDF91-54BE-EE45-8F59-26A56161F388}"/>
+              </a:ext>
+            </a:extLst>
+          </p:cNvPr>
+          <p:cNvSpPr>
+            <a:spLocks noGrp="1"/>
+          </p:cNvSpPr>
+          <p:nvPr>
+            <p:ph type="sldNum" sz="quarter" idx="12"/>
+          </p:nvPr>
+        </p:nvSpPr>
+        <p:spPr>
+          <a:xfrm>
+            <a:off x="8610600" y="6356350"/>
+            <a:ext cx="2743200" cy="365125"/>
+          </a:xfrm>
+          <a:prstGeom prst="rect">
+            <a:avLst/>
+          </a:prstGeom>
+        </p:spPr>
+        <p:txBody>
+          <a:bodyPr/>
+          <a:lstStyle/>
+          <a:p>
+            <a:fld id="{06873DC8-F095-4E48-A1FB-B1DA25343FEC}" type="slidenum">
+              <a:rPr kumimoji="1" lang="ko-Kore-KR" altLang="en-US" smtClean="0"/>
+              <a:t>‹#›</a:t>
+            </a:fld>
+            <a:endParaRPr kumimoji="1" lang="ko-Kore-KR" altLang="en-US"/>
+          </a:p>
+        </p:txBody>
+      </p:sp>
+    </p:spTree>
+    <p:extLst>
+      <p:ext uri="{BB962C8B-B14F-4D97-AF65-F5344CB8AC3E}">
+        <p14:creationId xmlns:p14="http://schemas.microsoft.com/office/powerpoint/2010/main" val="3189971643"/>
+      </p:ext>
+    </p:extLst>
+  </p:cSld>
+  <p:clrMapOvr>
+    <a:masterClrMapping/>
+  </p:clrMapOvr>
+</p:sldLayout>
+</file>
+
+<file path=ppt/slideLayouts/slideLayout17.xml><?xml version="1.0" encoding="utf-8"?>
+<p:sldLayout xmlns:a="http://schemas.openxmlformats.org/drawingml/2006/main" xmlns:r="http://schemas.openxmlformats.org/officeDocument/2006/relationships" xmlns:p="http://schemas.openxmlformats.org/presentationml/2006/main" type="title" preserve="1">
+  <p:cSld name="제목 슬라이드">
+    <p:spTree>
+      <p:nvGrpSpPr>
+        <p:cNvPr id="1" name=""/>
+        <p:cNvGrpSpPr/>
+        <p:nvPr/>
+      </p:nvGrpSpPr>
+      <p:grpSpPr>
+        <a:xfrm>
+          <a:off x="0" y="0"/>
+          <a:ext cx="0" cy="0"/>
+          <a:chOff x="0" y="0"/>
+          <a:chExt cx="0" cy="0"/>
+        </a:xfrm>
+      </p:grpSpPr>
+      <p:sp>
+        <p:nvSpPr>
+          <p:cNvPr id="2" name="제목 1">
+            <a:extLst>
+              <a:ext uri="{FF2B5EF4-FFF2-40B4-BE49-F238E27FC236}">
+                <a16:creationId xmlns:a16="http://schemas.microsoft.com/office/drawing/2014/main" id="{88CC288B-C0A2-6446-8C62-34B91C48B3C5}"/>
+              </a:ext>
+            </a:extLst>
+          </p:cNvPr>
+          <p:cNvSpPr>
+            <a:spLocks noGrp="1"/>
+          </p:cNvSpPr>
+          <p:nvPr>
+            <p:ph type="ctrTitle"/>
+          </p:nvPr>
+        </p:nvSpPr>
+        <p:spPr>
+          <a:xfrm>
+            <a:off x="1524000" y="1122363"/>
+            <a:ext cx="9144000" cy="2387600"/>
+          </a:xfrm>
+        </p:spPr>
+        <p:txBody>
+          <a:bodyPr anchor="b"/>
+          <a:lstStyle>
+            <a:lvl1pPr algn="ctr">
+              <a:defRPr sz="6000"/>
+            </a:lvl1pPr>
+          </a:lstStyle>
+          <a:p>
+            <a:r>
+              <a:rPr kumimoji="1" lang="en-US" altLang="ko-KR"/>
+              <a:t>Click to edit Master title style</a:t>
+            </a:r>
+            <a:endParaRPr kumimoji="1" lang="ko-Kore-KR" altLang="en-US"/>
+          </a:p>
+        </p:txBody>
+      </p:sp>
+      <p:sp>
+        <p:nvSpPr>
+          <p:cNvPr id="3" name="부제목 2">
+            <a:extLst>
+              <a:ext uri="{FF2B5EF4-FFF2-40B4-BE49-F238E27FC236}">
+                <a16:creationId xmlns:a16="http://schemas.microsoft.com/office/drawing/2014/main" id="{A9C9792B-4250-624E-8837-76D65D7433E5}"/>
+              </a:ext>
+            </a:extLst>
+          </p:cNvPr>
+          <p:cNvSpPr>
+            <a:spLocks noGrp="1"/>
+          </p:cNvSpPr>
+          <p:nvPr>
+            <p:ph type="subTitle" idx="1"/>
+          </p:nvPr>
+        </p:nvSpPr>
+        <p:spPr>
+          <a:xfrm>
+            <a:off x="1524000" y="3602038"/>
+            <a:ext cx="9144000" cy="1655762"/>
+          </a:xfrm>
+        </p:spPr>
+        <p:txBody>
+          <a:bodyPr/>
+          <a:lstStyle>
+            <a:lvl1pPr marL="0" indent="0" algn="ctr">
+              <a:buNone/>
+              <a:defRPr sz="2400"/>
+            </a:lvl1pPr>
+            <a:lvl2pPr marL="457200" indent="0" algn="ctr">
+              <a:buNone/>
+              <a:defRPr sz="2000"/>
+            </a:lvl2pPr>
+            <a:lvl3pPr marL="914400" indent="0" algn="ctr">
+              <a:buNone/>
+              <a:defRPr sz="1800"/>
+            </a:lvl3pPr>
+            <a:lvl4pPr marL="1371600" indent="0" algn="ctr">
+              <a:buNone/>
+              <a:defRPr sz="1600"/>
+            </a:lvl4pPr>
+            <a:lvl5pPr marL="1828800" indent="0" algn="ctr">
+              <a:buNone/>
+              <a:defRPr sz="1600"/>
+            </a:lvl5pPr>
+            <a:lvl6pPr marL="2286000" indent="0" algn="ctr">
+              <a:buNone/>
+              <a:defRPr sz="1600"/>
+            </a:lvl6pPr>
+            <a:lvl7pPr marL="2743200" indent="0" algn="ctr">
+              <a:buNone/>
+              <a:defRPr sz="1600"/>
+            </a:lvl7pPr>
+            <a:lvl8pPr marL="3200400" indent="0" algn="ctr">
+              <a:buNone/>
+              <a:defRPr sz="1600"/>
+            </a:lvl8pPr>
+            <a:lvl9pPr marL="3657600" indent="0" algn="ctr">
+              <a:buNone/>
+              <a:defRPr sz="1600"/>
+            </a:lvl9pPr>
+          </a:lstStyle>
+          <a:p>
+            <a:r>
+              <a:rPr kumimoji="1" lang="en-US" altLang="ko-KR"/>
+              <a:t>Click to edit Master subtitle style</a:t>
+            </a:r>
+            <a:endParaRPr kumimoji="1" lang="ko-Kore-KR" altLang="en-US"/>
+          </a:p>
+        </p:txBody>
+      </p:sp>
+      <p:sp>
+        <p:nvSpPr>
+          <p:cNvPr id="4" name="날짜 개체 틀 3">
+            <a:extLst>
+              <a:ext uri="{FF2B5EF4-FFF2-40B4-BE49-F238E27FC236}">
+                <a16:creationId xmlns:a16="http://schemas.microsoft.com/office/drawing/2014/main" id="{A3E018BA-E542-B543-899B-76299FB46E87}"/>
+              </a:ext>
+            </a:extLst>
+          </p:cNvPr>
+          <p:cNvSpPr>
+            <a:spLocks noGrp="1"/>
+          </p:cNvSpPr>
+          <p:nvPr>
+            <p:ph type="dt" sz="half" idx="10"/>
+          </p:nvPr>
+        </p:nvSpPr>
+        <p:spPr/>
+        <p:txBody>
+          <a:bodyPr/>
+          <a:lstStyle/>
+          <a:p>
+            <a:endParaRPr kumimoji="1" lang="ko-Kore-KR" altLang="en-US"/>
+          </a:p>
+        </p:txBody>
+      </p:sp>
+      <p:sp>
+        <p:nvSpPr>
+          <p:cNvPr id="5" name="바닥글 개체 틀 4">
+            <a:extLst>
+              <a:ext uri="{FF2B5EF4-FFF2-40B4-BE49-F238E27FC236}">
+                <a16:creationId xmlns:a16="http://schemas.microsoft.com/office/drawing/2014/main" id="{832C2A45-A63D-2A46-ABF9-9035740E23CB}"/>
+              </a:ext>
+            </a:extLst>
+          </p:cNvPr>
+          <p:cNvSpPr>
+            <a:spLocks noGrp="1"/>
+          </p:cNvSpPr>
+          <p:nvPr>
+            <p:ph type="ftr" sz="quarter" idx="11"/>
+          </p:nvPr>
+        </p:nvSpPr>
+        <p:spPr/>
+        <p:txBody>
+          <a:bodyPr/>
+          <a:lstStyle/>
+          <a:p>
+            <a:endParaRPr kumimoji="1" lang="ko-Kore-KR" altLang="en-US"/>
+          </a:p>
+        </p:txBody>
+      </p:sp>
+      <p:sp>
+        <p:nvSpPr>
+          <p:cNvPr id="6" name="슬라이드 번호 개체 틀 5">
+            <a:extLst>
+              <a:ext uri="{FF2B5EF4-FFF2-40B4-BE49-F238E27FC236}">
+                <a16:creationId xmlns:a16="http://schemas.microsoft.com/office/drawing/2014/main" id="{8E13C1A5-5D74-9C40-B0FC-3EB1D923956A}"/>
+              </a:ext>
+            </a:extLst>
+          </p:cNvPr>
+          <p:cNvSpPr>
+            <a:spLocks noGrp="1"/>
+          </p:cNvSpPr>
+          <p:nvPr>
+            <p:ph type="sldNum" sz="quarter" idx="12"/>
+          </p:nvPr>
+        </p:nvSpPr>
+        <p:spPr/>
+        <p:txBody>
+          <a:bodyPr/>
+          <a:lstStyle/>
+          <a:p>
+            <a:fld id="{343369BA-A360-2F47-9C4A-1107F7CB101F}" type="slidenum">
+              <a:rPr kumimoji="1" lang="ko-Kore-KR" altLang="en-US" smtClean="0"/>
+              <a:t>‹#›</a:t>
+            </a:fld>
+            <a:endParaRPr kumimoji="1" lang="ko-Kore-KR" altLang="en-US"/>
+          </a:p>
+        </p:txBody>
+      </p:sp>
+    </p:spTree>
+    <p:extLst>
+      <p:ext uri="{BB962C8B-B14F-4D97-AF65-F5344CB8AC3E}">
+        <p14:creationId xmlns:p14="http://schemas.microsoft.com/office/powerpoint/2010/main" val="166125698"/>
       </p:ext>
     </p:extLst>
   </p:cSld>
@@ -4582,6 +5443,1373 @@
 </p:sldMaster>
 </file>
 
+<file path=ppt/slideMasters/slideMaster3.xml><?xml version="1.0" encoding="utf-8"?>
+<p:sldMaster xmlns:a="http://schemas.openxmlformats.org/drawingml/2006/main" xmlns:r="http://schemas.openxmlformats.org/officeDocument/2006/relationships" xmlns:p="http://schemas.openxmlformats.org/presentationml/2006/main" preserve="1">
+  <p:cSld>
+    <p:bg>
+      <p:bgRef idx="1001">
+        <a:schemeClr val="bg1"/>
+      </p:bgRef>
+    </p:bg>
+    <p:spTree>
+      <p:nvGrpSpPr>
+        <p:cNvPr id="1" name=""/>
+        <p:cNvGrpSpPr/>
+        <p:nvPr/>
+      </p:nvGrpSpPr>
+      <p:grpSpPr>
+        <a:xfrm>
+          <a:off x="0" y="0"/>
+          <a:ext cx="0" cy="0"/>
+          <a:chOff x="0" y="0"/>
+          <a:chExt cx="0" cy="0"/>
+        </a:xfrm>
+      </p:grpSpPr>
+      <p:sp>
+        <p:nvSpPr>
+          <p:cNvPr id="1030" name="Rectangle 137"/>
+          <p:cNvSpPr>
+            <a:spLocks noGrp="1" noChangeArrowheads="1"/>
+          </p:cNvSpPr>
+          <p:nvPr>
+            <p:ph type="title"/>
+          </p:nvPr>
+        </p:nvSpPr>
+        <p:spPr bwMode="auto">
+          <a:xfrm>
+            <a:off x="-48684" y="-26988"/>
+            <a:ext cx="12259735" cy="729632"/>
+          </a:xfrm>
+          <a:prstGeom prst="rect">
+            <a:avLst/>
+          </a:prstGeom>
+          <a:solidFill>
+            <a:srgbClr val="E36730"/>
+          </a:solidFill>
+          <a:ln w="9525">
+            <a:noFill/>
+            <a:miter lim="800000"/>
+            <a:headEnd/>
+            <a:tailEnd/>
+          </a:ln>
+        </p:spPr>
+        <p:txBody>
+          <a:bodyPr vert="horz" wrap="square" lIns="91429" tIns="45714" rIns="91429" bIns="45714" numCol="1" anchor="ctr" anchorCtr="0" compatLnSpc="1">
+            <a:prstTxWarp prst="textNoShape">
+              <a:avLst/>
+            </a:prstTxWarp>
+          </a:bodyPr>
+          <a:lstStyle/>
+          <a:p>
+            <a:pPr lvl="0"/>
+            <a:r>
+              <a:rPr lang="en-US" altLang="ko-KR" dirty="0"/>
+              <a:t>ABCD</a:t>
+            </a:r>
+          </a:p>
+        </p:txBody>
+      </p:sp>
+      <p:sp>
+        <p:nvSpPr>
+          <p:cNvPr id="4" name="슬라이드 번호 개체 틀 3"/>
+          <p:cNvSpPr>
+            <a:spLocks noGrp="1"/>
+          </p:cNvSpPr>
+          <p:nvPr>
+            <p:ph type="sldNum" sz="quarter" idx="4"/>
+          </p:nvPr>
+        </p:nvSpPr>
+        <p:spPr>
+          <a:xfrm>
+            <a:off x="11400368" y="6537993"/>
+            <a:ext cx="810683" cy="290513"/>
+          </a:xfrm>
+          <a:prstGeom prst="rect">
+            <a:avLst/>
+          </a:prstGeom>
+        </p:spPr>
+        <p:txBody>
+          <a:bodyPr vert="horz" lIns="91440" tIns="45720" rIns="91440" bIns="45720" rtlCol="0" anchor="ctr"/>
+          <a:lstStyle>
+            <a:lvl1pPr algn="r" fontAlgn="auto">
+              <a:spcBef>
+                <a:spcPts val="0"/>
+              </a:spcBef>
+              <a:spcAft>
+                <a:spcPts val="0"/>
+              </a:spcAft>
+              <a:defRPr kumimoji="0" sz="1600" b="0" i="0" smtClean="0">
+                <a:solidFill>
+                  <a:schemeClr val="tx1">
+                    <a:lumMod val="65000"/>
+                    <a:lumOff val="35000"/>
+                  </a:schemeClr>
+                </a:solidFill>
+                <a:latin typeface="Calibri Light" panose="020F0302020204030204" pitchFamily="34" charset="0"/>
+                <a:ea typeface="+mn-ea"/>
+                <a:cs typeface="Calibri Light" panose="020F0302020204030204" pitchFamily="34" charset="0"/>
+              </a:defRPr>
+            </a:lvl1pPr>
+          </a:lstStyle>
+          <a:p>
+            <a:fld id="{3A922873-BAD5-421F-9D07-D59F99DD66E5}" type="slidenum">
+              <a:rPr lang="ko-KR" altLang="en-US" smtClean="0"/>
+              <a:t>‹#›</a:t>
+            </a:fld>
+            <a:endParaRPr lang="ko-KR" altLang="en-US"/>
+          </a:p>
+        </p:txBody>
+      </p:sp>
+      <p:cxnSp>
+        <p:nvCxnSpPr>
+          <p:cNvPr id="6" name="직선 연결선[R] 5">
+            <a:extLst>
+              <a:ext uri="{FF2B5EF4-FFF2-40B4-BE49-F238E27FC236}">
+                <a16:creationId xmlns:a16="http://schemas.microsoft.com/office/drawing/2014/main" id="{26C09FA3-7C66-C34A-B500-EBDF1F3CAD70}"/>
+              </a:ext>
+            </a:extLst>
+          </p:cNvPr>
+          <p:cNvCxnSpPr>
+            <a:cxnSpLocks/>
+          </p:cNvCxnSpPr>
+          <p:nvPr/>
+        </p:nvCxnSpPr>
+        <p:spPr bwMode="auto">
+          <a:xfrm>
+            <a:off x="-12192" y="6511063"/>
+            <a:ext cx="12211051" cy="0"/>
+          </a:xfrm>
+          <a:prstGeom prst="line">
+            <a:avLst/>
+          </a:prstGeom>
+          <a:noFill/>
+          <a:ln w="15875" cap="flat" cmpd="sng" algn="ctr">
+            <a:solidFill>
+              <a:srgbClr val="E36730"/>
+            </a:solidFill>
+            <a:prstDash val="solid"/>
+            <a:round/>
+            <a:headEnd type="none" w="med" len="med"/>
+            <a:tailEnd type="none" w="med" len="med"/>
+          </a:ln>
+          <a:effectLst/>
+        </p:spPr>
+      </p:cxnSp>
+      <p:sp>
+        <p:nvSpPr>
+          <p:cNvPr id="14" name="텍스트 개체 틀 13">
+            <a:extLst>
+              <a:ext uri="{FF2B5EF4-FFF2-40B4-BE49-F238E27FC236}">
+                <a16:creationId xmlns:a16="http://schemas.microsoft.com/office/drawing/2014/main" id="{FC28145F-6AEC-564A-9AD6-414DCF10A0B8}"/>
+              </a:ext>
+            </a:extLst>
+          </p:cNvPr>
+          <p:cNvSpPr>
+            <a:spLocks noGrp="1"/>
+          </p:cNvSpPr>
+          <p:nvPr>
+            <p:ph type="body" idx="1"/>
+          </p:nvPr>
+        </p:nvSpPr>
+        <p:spPr>
+          <a:xfrm>
+            <a:off x="193429" y="864332"/>
+            <a:ext cx="11811001" cy="5501277"/>
+          </a:xfrm>
+          <a:prstGeom prst="rect">
+            <a:avLst/>
+          </a:prstGeom>
+          <a:noFill/>
+        </p:spPr>
+        <p:txBody>
+          <a:bodyPr vert="horz" lIns="91440" tIns="45720" rIns="91440" bIns="45720" rtlCol="0">
+            <a:normAutofit/>
+          </a:bodyPr>
+          <a:lstStyle/>
+          <a:p>
+            <a:pPr lvl="0"/>
+            <a:r>
+              <a:rPr kumimoji="1" lang="en-US" altLang="ko-KR" dirty="0"/>
+              <a:t>ABCD</a:t>
+            </a:r>
+            <a:endParaRPr kumimoji="1" lang="ko-KR" altLang="en-US" dirty="0"/>
+          </a:p>
+          <a:p>
+            <a:pPr lvl="1"/>
+            <a:r>
+              <a:rPr kumimoji="1" lang="en-US" altLang="ko-KR" dirty="0"/>
+              <a:t>ABCD</a:t>
+            </a:r>
+            <a:endParaRPr kumimoji="1" lang="ko-KR" altLang="en-US" dirty="0"/>
+          </a:p>
+          <a:p>
+            <a:pPr lvl="2"/>
+            <a:r>
+              <a:rPr kumimoji="1" lang="en-US" altLang="ko-KR" dirty="0"/>
+              <a:t>ABCD</a:t>
+            </a:r>
+            <a:endParaRPr kumimoji="1" lang="ko-KR" altLang="en-US" dirty="0"/>
+          </a:p>
+          <a:p>
+            <a:pPr lvl="3"/>
+            <a:r>
+              <a:rPr kumimoji="1" lang="en-US" altLang="ko-KR" dirty="0"/>
+              <a:t>ABCD</a:t>
+            </a:r>
+            <a:endParaRPr kumimoji="1" lang="ko-KR" altLang="en-US" dirty="0"/>
+          </a:p>
+          <a:p>
+            <a:pPr lvl="4"/>
+            <a:r>
+              <a:rPr kumimoji="1" lang="en-US" altLang="ko-KR" dirty="0"/>
+              <a:t>ABCD</a:t>
+            </a:r>
+            <a:endParaRPr kumimoji="1" lang="ko-Kore-KR" altLang="en-US" dirty="0"/>
+          </a:p>
+        </p:txBody>
+      </p:sp>
+      <p:sp>
+        <p:nvSpPr>
+          <p:cNvPr id="2" name="TextBox 1">
+            <a:extLst>
+              <a:ext uri="{FF2B5EF4-FFF2-40B4-BE49-F238E27FC236}">
+                <a16:creationId xmlns:a16="http://schemas.microsoft.com/office/drawing/2014/main" id="{F2F52848-CFF3-E40A-E9CB-8C8EB7FB73F4}"/>
+              </a:ext>
+            </a:extLst>
+          </p:cNvPr>
+          <p:cNvSpPr txBox="1"/>
+          <p:nvPr/>
+        </p:nvSpPr>
+        <p:spPr>
+          <a:xfrm>
+            <a:off x="3860863" y="6519446"/>
+            <a:ext cx="3948389" cy="338554"/>
+          </a:xfrm>
+          <a:prstGeom prst="rect">
+            <a:avLst/>
+          </a:prstGeom>
+          <a:noFill/>
+        </p:spPr>
+        <p:txBody>
+          <a:bodyPr wrap="none" rtlCol="0">
+            <a:spAutoFit/>
+          </a:bodyPr>
+          <a:lstStyle/>
+          <a:p>
+            <a:r>
+              <a:rPr lang="en-KR" sz="1600" b="0" i="0" dirty="0">
+                <a:solidFill>
+                  <a:schemeClr val="bg1">
+                    <a:lumMod val="65000"/>
+                  </a:schemeClr>
+                </a:solidFill>
+                <a:latin typeface="Calibri Light" panose="020F0302020204030204" pitchFamily="34" charset="0"/>
+                <a:cs typeface="Calibri Light" panose="020F0302020204030204" pitchFamily="34" charset="0"/>
+              </a:rPr>
+              <a:t>M.J. Choi et al</a:t>
+            </a:r>
+            <a:r>
+              <a:rPr lang="en-KR" sz="1600" b="0" i="0">
+                <a:solidFill>
+                  <a:schemeClr val="bg1">
+                    <a:lumMod val="65000"/>
+                  </a:schemeClr>
+                </a:solidFill>
+                <a:latin typeface="Calibri Light" panose="020F0302020204030204" pitchFamily="34" charset="0"/>
+                <a:cs typeface="Calibri Light" panose="020F0302020204030204" pitchFamily="34" charset="0"/>
+              </a:rPr>
+              <a:t>., </a:t>
+            </a:r>
+            <a:r>
+              <a:rPr lang="en-US" sz="1600" b="0" i="0" dirty="0">
+                <a:solidFill>
+                  <a:schemeClr val="bg1">
+                    <a:lumMod val="65000"/>
+                  </a:schemeClr>
+                </a:solidFill>
+                <a:latin typeface="Calibri Light" panose="020F0302020204030204" pitchFamily="34" charset="0"/>
+                <a:cs typeface="Calibri Light" panose="020F0302020204030204" pitchFamily="34" charset="0"/>
+              </a:rPr>
+              <a:t>CNPS seminar, 24</a:t>
+            </a:r>
+            <a:r>
+              <a:rPr lang="en-US" sz="1600" b="0" i="0" baseline="30000" dirty="0">
+                <a:solidFill>
+                  <a:schemeClr val="bg1">
+                    <a:lumMod val="65000"/>
+                  </a:schemeClr>
+                </a:solidFill>
+                <a:latin typeface="Calibri Light" panose="020F0302020204030204" pitchFamily="34" charset="0"/>
+                <a:cs typeface="Calibri Light" panose="020F0302020204030204" pitchFamily="34" charset="0"/>
+              </a:rPr>
+              <a:t>th</a:t>
+            </a:r>
+            <a:r>
+              <a:rPr lang="en-US" sz="1600" b="0" i="0" dirty="0">
+                <a:solidFill>
+                  <a:schemeClr val="bg1">
+                    <a:lumMod val="65000"/>
+                  </a:schemeClr>
+                </a:solidFill>
+                <a:latin typeface="Calibri Light" panose="020F0302020204030204" pitchFamily="34" charset="0"/>
+                <a:cs typeface="Calibri Light" panose="020F0302020204030204" pitchFamily="34" charset="0"/>
+              </a:rPr>
+              <a:t> Nov, 2024</a:t>
+            </a:r>
+            <a:endParaRPr lang="en-KR" sz="1600" b="0" i="0" dirty="0">
+              <a:solidFill>
+                <a:schemeClr val="bg1">
+                  <a:lumMod val="65000"/>
+                </a:schemeClr>
+              </a:solidFill>
+              <a:latin typeface="Calibri Light" panose="020F0302020204030204" pitchFamily="34" charset="0"/>
+              <a:cs typeface="Calibri Light" panose="020F0302020204030204" pitchFamily="34" charset="0"/>
+            </a:endParaRPr>
+          </a:p>
+        </p:txBody>
+      </p:sp>
+      <p:sp>
+        <p:nvSpPr>
+          <p:cNvPr id="3" name="TextBox 2">
+            <a:extLst>
+              <a:ext uri="{FF2B5EF4-FFF2-40B4-BE49-F238E27FC236}">
+                <a16:creationId xmlns:a16="http://schemas.microsoft.com/office/drawing/2014/main" id="{D352AABB-915F-4224-8D38-DDC209F80968}"/>
+              </a:ext>
+            </a:extLst>
+          </p:cNvPr>
+          <p:cNvSpPr txBox="1"/>
+          <p:nvPr/>
+        </p:nvSpPr>
+        <p:spPr>
+          <a:xfrm>
+            <a:off x="0" y="6475380"/>
+            <a:ext cx="1136850" cy="415498"/>
+          </a:xfrm>
+          <a:prstGeom prst="rect">
+            <a:avLst/>
+          </a:prstGeom>
+          <a:noFill/>
+        </p:spPr>
+        <p:txBody>
+          <a:bodyPr wrap="none" rtlCol="0">
+            <a:spAutoFit/>
+          </a:bodyPr>
+          <a:lstStyle/>
+          <a:p>
+            <a:pPr algn="l"/>
+            <a:r>
+              <a:rPr kumimoji="1" lang="en-US" altLang="ko-KR" sz="1050" b="0" i="0" dirty="0">
+                <a:solidFill>
+                  <a:srgbClr val="E36730"/>
+                </a:solidFill>
+                <a:latin typeface="Calibri Light" panose="020F0302020204030204" pitchFamily="34" charset="0"/>
+                <a:cs typeface="Calibri Light" panose="020F0302020204030204" pitchFamily="34" charset="0"/>
+              </a:rPr>
+              <a:t>K</a:t>
+            </a:r>
+            <a:r>
+              <a:rPr kumimoji="1" lang="en-US" altLang="ko-KR" sz="1050" b="0" i="0" dirty="0">
+                <a:latin typeface="Calibri Light" panose="020F0302020204030204" pitchFamily="34" charset="0"/>
+                <a:cs typeface="Calibri Light" panose="020F0302020204030204" pitchFamily="34" charset="0"/>
+              </a:rPr>
+              <a:t>orea Institute of</a:t>
+            </a:r>
+            <a:br>
+              <a:rPr kumimoji="1" lang="en-US" altLang="ko-KR" sz="1050" b="0" i="0" dirty="0">
+                <a:latin typeface="Calibri Light" panose="020F0302020204030204" pitchFamily="34" charset="0"/>
+                <a:cs typeface="Calibri Light" panose="020F0302020204030204" pitchFamily="34" charset="0"/>
+              </a:rPr>
+            </a:br>
+            <a:r>
+              <a:rPr kumimoji="1" lang="en-US" altLang="ko-KR" sz="1050" b="0" i="0" dirty="0">
+                <a:solidFill>
+                  <a:srgbClr val="E36730"/>
+                </a:solidFill>
+                <a:latin typeface="Calibri Light" panose="020F0302020204030204" pitchFamily="34" charset="0"/>
+                <a:cs typeface="Calibri Light" panose="020F0302020204030204" pitchFamily="34" charset="0"/>
+              </a:rPr>
+              <a:t>F</a:t>
+            </a:r>
+            <a:r>
+              <a:rPr kumimoji="1" lang="en-US" altLang="ko-KR" sz="1050" b="0" i="0" dirty="0">
+                <a:latin typeface="Calibri Light" panose="020F0302020204030204" pitchFamily="34" charset="0"/>
+                <a:cs typeface="Calibri Light" panose="020F0302020204030204" pitchFamily="34" charset="0"/>
+              </a:rPr>
+              <a:t>usion </a:t>
+            </a:r>
+            <a:r>
+              <a:rPr kumimoji="1" lang="en-US" altLang="ko-KR" sz="1050" b="0" i="0" dirty="0">
+                <a:solidFill>
+                  <a:srgbClr val="E36730"/>
+                </a:solidFill>
+                <a:latin typeface="Calibri Light" panose="020F0302020204030204" pitchFamily="34" charset="0"/>
+                <a:cs typeface="Calibri Light" panose="020F0302020204030204" pitchFamily="34" charset="0"/>
+              </a:rPr>
+              <a:t>E</a:t>
+            </a:r>
+            <a:r>
+              <a:rPr kumimoji="1" lang="en-US" altLang="ko-KR" sz="1050" b="0" i="0" dirty="0">
+                <a:latin typeface="Calibri Light" panose="020F0302020204030204" pitchFamily="34" charset="0"/>
+                <a:cs typeface="Calibri Light" panose="020F0302020204030204" pitchFamily="34" charset="0"/>
+              </a:rPr>
+              <a:t>nergy</a:t>
+            </a:r>
+            <a:endParaRPr kumimoji="1" lang="ko-KR" altLang="en-US" sz="1050" b="0" i="0" dirty="0" err="1">
+              <a:latin typeface="Calibri Light" panose="020F0302020204030204" pitchFamily="34" charset="0"/>
+              <a:cs typeface="Calibri Light" panose="020F0302020204030204" pitchFamily="34" charset="0"/>
+            </a:endParaRPr>
+          </a:p>
+        </p:txBody>
+      </p:sp>
+    </p:spTree>
+    <p:extLst>
+      <p:ext uri="{BB962C8B-B14F-4D97-AF65-F5344CB8AC3E}">
+        <p14:creationId xmlns:p14="http://schemas.microsoft.com/office/powerpoint/2010/main" val="1421499133"/>
+      </p:ext>
+    </p:extLst>
+  </p:cSld>
+  <p:clrMap bg1="lt1" tx1="dk1" bg2="lt2" tx2="dk2" accent1="accent1" accent2="accent2" accent3="accent3" accent4="accent4" accent5="accent5" accent6="accent6" hlink="hlink" folHlink="folHlink"/>
+  <p:sldLayoutIdLst>
+    <p:sldLayoutId id="2147483768" r:id="rId1"/>
+    <p:sldLayoutId id="2147483769" r:id="rId2"/>
+    <p:sldLayoutId id="2147483770" r:id="rId3"/>
+  </p:sldLayoutIdLst>
+  <p:hf hdr="0" ftr="0" dt="0"/>
+  <p:txStyles>
+    <p:titleStyle>
+      <a:lvl1pPr marL="282575" algn="l" rtl="0" eaLnBrk="1" fontAlgn="base" latinLnBrk="1" hangingPunct="1">
+        <a:spcBef>
+          <a:spcPct val="0"/>
+        </a:spcBef>
+        <a:spcAft>
+          <a:spcPct val="0"/>
+        </a:spcAft>
+        <a:defRPr sz="3500" b="0" i="0">
+          <a:solidFill>
+            <a:schemeClr val="bg1"/>
+          </a:solidFill>
+          <a:latin typeface="Calibri Light" panose="020F0302020204030204" pitchFamily="34" charset="0"/>
+          <a:ea typeface="Apple SD Gothic Neo" panose="02000300000000000000" pitchFamily="2" charset="-127"/>
+          <a:cs typeface="Calibri Light" panose="020F0302020204030204" pitchFamily="34" charset="0"/>
+        </a:defRPr>
+      </a:lvl1pPr>
+      <a:lvl2pPr marL="282575" algn="l" rtl="0" eaLnBrk="1" fontAlgn="base" latinLnBrk="1" hangingPunct="1">
+        <a:spcBef>
+          <a:spcPct val="0"/>
+        </a:spcBef>
+        <a:spcAft>
+          <a:spcPct val="0"/>
+        </a:spcAft>
+        <a:defRPr sz="2800" b="1">
+          <a:solidFill>
+            <a:schemeClr val="bg1"/>
+          </a:solidFill>
+          <a:latin typeface="Arial" charset="0"/>
+          <a:ea typeface="ＭＳ Ｐゴシック" charset="-128"/>
+          <a:cs typeface="ＭＳ Ｐゴシック" charset="-128"/>
+        </a:defRPr>
+      </a:lvl2pPr>
+      <a:lvl3pPr marL="282575" algn="l" rtl="0" eaLnBrk="1" fontAlgn="base" latinLnBrk="1" hangingPunct="1">
+        <a:spcBef>
+          <a:spcPct val="0"/>
+        </a:spcBef>
+        <a:spcAft>
+          <a:spcPct val="0"/>
+        </a:spcAft>
+        <a:defRPr sz="2800" b="1">
+          <a:solidFill>
+            <a:schemeClr val="bg1"/>
+          </a:solidFill>
+          <a:latin typeface="Arial" charset="0"/>
+          <a:ea typeface="ＭＳ Ｐゴシック" charset="-128"/>
+          <a:cs typeface="ＭＳ Ｐゴシック" charset="-128"/>
+        </a:defRPr>
+      </a:lvl3pPr>
+      <a:lvl4pPr marL="282575" algn="l" rtl="0" eaLnBrk="1" fontAlgn="base" latinLnBrk="1" hangingPunct="1">
+        <a:spcBef>
+          <a:spcPct val="0"/>
+        </a:spcBef>
+        <a:spcAft>
+          <a:spcPct val="0"/>
+        </a:spcAft>
+        <a:defRPr sz="2800" b="1">
+          <a:solidFill>
+            <a:schemeClr val="bg1"/>
+          </a:solidFill>
+          <a:latin typeface="Arial" charset="0"/>
+          <a:ea typeface="ＭＳ Ｐゴシック" charset="-128"/>
+          <a:cs typeface="ＭＳ Ｐゴシック" charset="-128"/>
+        </a:defRPr>
+      </a:lvl4pPr>
+      <a:lvl5pPr marL="282575" algn="l" rtl="0" eaLnBrk="1" fontAlgn="base" latinLnBrk="1" hangingPunct="1">
+        <a:spcBef>
+          <a:spcPct val="0"/>
+        </a:spcBef>
+        <a:spcAft>
+          <a:spcPct val="0"/>
+        </a:spcAft>
+        <a:defRPr sz="2800" b="1">
+          <a:solidFill>
+            <a:schemeClr val="bg1"/>
+          </a:solidFill>
+          <a:latin typeface="Arial" charset="0"/>
+          <a:ea typeface="ＭＳ Ｐゴシック" charset="-128"/>
+          <a:cs typeface="ＭＳ Ｐゴシック" charset="-128"/>
+        </a:defRPr>
+      </a:lvl5pPr>
+      <a:lvl6pPr marL="457146" algn="ctr" rtl="0" eaLnBrk="1" fontAlgn="base" latinLnBrk="1" hangingPunct="1">
+        <a:spcBef>
+          <a:spcPct val="0"/>
+        </a:spcBef>
+        <a:spcAft>
+          <a:spcPct val="0"/>
+        </a:spcAft>
+        <a:defRPr sz="2400" b="1">
+          <a:solidFill>
+            <a:schemeClr val="accent2"/>
+          </a:solidFill>
+          <a:latin typeface="Arial" charset="0"/>
+        </a:defRPr>
+      </a:lvl6pPr>
+      <a:lvl7pPr marL="914293" algn="ctr" rtl="0" eaLnBrk="1" fontAlgn="base" latinLnBrk="1" hangingPunct="1">
+        <a:spcBef>
+          <a:spcPct val="0"/>
+        </a:spcBef>
+        <a:spcAft>
+          <a:spcPct val="0"/>
+        </a:spcAft>
+        <a:defRPr sz="2400" b="1">
+          <a:solidFill>
+            <a:schemeClr val="accent2"/>
+          </a:solidFill>
+          <a:latin typeface="Arial" charset="0"/>
+        </a:defRPr>
+      </a:lvl7pPr>
+      <a:lvl8pPr marL="1371440" algn="ctr" rtl="0" eaLnBrk="1" fontAlgn="base" latinLnBrk="1" hangingPunct="1">
+        <a:spcBef>
+          <a:spcPct val="0"/>
+        </a:spcBef>
+        <a:spcAft>
+          <a:spcPct val="0"/>
+        </a:spcAft>
+        <a:defRPr sz="2400" b="1">
+          <a:solidFill>
+            <a:schemeClr val="accent2"/>
+          </a:solidFill>
+          <a:latin typeface="Arial" charset="0"/>
+        </a:defRPr>
+      </a:lvl8pPr>
+      <a:lvl9pPr marL="1828586" algn="ctr" rtl="0" eaLnBrk="1" fontAlgn="base" latinLnBrk="1" hangingPunct="1">
+        <a:spcBef>
+          <a:spcPct val="0"/>
+        </a:spcBef>
+        <a:spcAft>
+          <a:spcPct val="0"/>
+        </a:spcAft>
+        <a:defRPr sz="2400" b="1">
+          <a:solidFill>
+            <a:schemeClr val="accent2"/>
+          </a:solidFill>
+          <a:latin typeface="Arial" charset="0"/>
+        </a:defRPr>
+      </a:lvl9pPr>
+    </p:titleStyle>
+    <p:bodyStyle>
+      <a:lvl1pPr marL="342900" marR="0" indent="-342900" algn="l" defTabSz="914400" rtl="0" eaLnBrk="1" fontAlgn="base" latinLnBrk="1" hangingPunct="1">
+        <a:lnSpc>
+          <a:spcPct val="100000"/>
+        </a:lnSpc>
+        <a:spcBef>
+          <a:spcPct val="20000"/>
+        </a:spcBef>
+        <a:spcAft>
+          <a:spcPct val="0"/>
+        </a:spcAft>
+        <a:buClrTx/>
+        <a:buSzTx/>
+        <a:buFont typeface="Wingdings" pitchFamily="2" charset="2"/>
+        <a:buChar char="§"/>
+        <a:tabLst/>
+        <a:defRPr sz="2200" b="0" i="0">
+          <a:solidFill>
+            <a:schemeClr val="tx1"/>
+          </a:solidFill>
+          <a:latin typeface="Calibri Light" panose="020F0302020204030204" pitchFamily="34" charset="0"/>
+          <a:ea typeface="Apple SD Gothic Neo" panose="02000300000000000000" pitchFamily="2" charset="-127"/>
+          <a:cs typeface="Calibri Light" panose="020F0302020204030204" pitchFamily="34" charset="0"/>
+        </a:defRPr>
+      </a:lvl1pPr>
+      <a:lvl2pPr marL="741363" marR="0" indent="-284163" algn="l" defTabSz="914400" rtl="0" eaLnBrk="1" fontAlgn="base" latinLnBrk="1" hangingPunct="1">
+        <a:lnSpc>
+          <a:spcPct val="100000"/>
+        </a:lnSpc>
+        <a:spcBef>
+          <a:spcPct val="20000"/>
+        </a:spcBef>
+        <a:spcAft>
+          <a:spcPct val="0"/>
+        </a:spcAft>
+        <a:buClrTx/>
+        <a:buSzTx/>
+        <a:buFontTx/>
+        <a:buChar char="–"/>
+        <a:tabLst/>
+        <a:defRPr sz="1900" b="0" i="0">
+          <a:solidFill>
+            <a:srgbClr val="E36730"/>
+          </a:solidFill>
+          <a:latin typeface="Calibri Light" panose="020F0302020204030204" pitchFamily="34" charset="0"/>
+          <a:ea typeface="Apple SD Gothic Neo" panose="02000300000000000000" pitchFamily="2" charset="-127"/>
+          <a:cs typeface="Calibri Light" panose="020F0302020204030204" pitchFamily="34" charset="0"/>
+        </a:defRPr>
+      </a:lvl2pPr>
+      <a:lvl3pPr marL="1141413" marR="0" indent="-227013" algn="l" defTabSz="914400" rtl="0" eaLnBrk="1" fontAlgn="base" latinLnBrk="1" hangingPunct="1">
+        <a:lnSpc>
+          <a:spcPct val="100000"/>
+        </a:lnSpc>
+        <a:spcBef>
+          <a:spcPct val="20000"/>
+        </a:spcBef>
+        <a:spcAft>
+          <a:spcPct val="0"/>
+        </a:spcAft>
+        <a:buClrTx/>
+        <a:buSzTx/>
+        <a:buFontTx/>
+        <a:buChar char="•"/>
+        <a:tabLst/>
+        <a:defRPr sz="1900" b="0" i="0">
+          <a:solidFill>
+            <a:srgbClr val="FF9300"/>
+          </a:solidFill>
+          <a:latin typeface="Calibri Light" panose="020F0302020204030204" pitchFamily="34" charset="0"/>
+          <a:ea typeface="Apple SD Gothic Neo" panose="02000300000000000000" pitchFamily="2" charset="-127"/>
+          <a:cs typeface="Calibri Light" panose="020F0302020204030204" pitchFamily="34" charset="0"/>
+        </a:defRPr>
+      </a:lvl3pPr>
+      <a:lvl4pPr marL="1598613" marR="0" indent="-227013" algn="l" defTabSz="914400" rtl="0" eaLnBrk="1" fontAlgn="base" latinLnBrk="1" hangingPunct="1">
+        <a:lnSpc>
+          <a:spcPct val="100000"/>
+        </a:lnSpc>
+        <a:spcBef>
+          <a:spcPct val="20000"/>
+        </a:spcBef>
+        <a:spcAft>
+          <a:spcPct val="0"/>
+        </a:spcAft>
+        <a:buClrTx/>
+        <a:buSzTx/>
+        <a:buFontTx/>
+        <a:buChar char="–"/>
+        <a:tabLst/>
+        <a:defRPr sz="1900" b="0" i="0">
+          <a:solidFill>
+            <a:srgbClr val="FF9300"/>
+          </a:solidFill>
+          <a:latin typeface="Calibri Light" panose="020F0302020204030204" pitchFamily="34" charset="0"/>
+          <a:ea typeface="Apple SD Gothic Neo" panose="02000300000000000000" pitchFamily="2" charset="-127"/>
+          <a:cs typeface="Calibri Light" panose="020F0302020204030204" pitchFamily="34" charset="0"/>
+        </a:defRPr>
+      </a:lvl4pPr>
+      <a:lvl5pPr marL="2055813" marR="0" indent="-227013" algn="l" defTabSz="914400" rtl="0" eaLnBrk="1" fontAlgn="base" latinLnBrk="1" hangingPunct="1">
+        <a:lnSpc>
+          <a:spcPct val="100000"/>
+        </a:lnSpc>
+        <a:spcBef>
+          <a:spcPct val="20000"/>
+        </a:spcBef>
+        <a:spcAft>
+          <a:spcPct val="0"/>
+        </a:spcAft>
+        <a:buClrTx/>
+        <a:buSzTx/>
+        <a:buFontTx/>
+        <a:buChar char="»"/>
+        <a:tabLst/>
+        <a:defRPr sz="1900" b="0" i="0">
+          <a:solidFill>
+            <a:srgbClr val="FF9300"/>
+          </a:solidFill>
+          <a:latin typeface="Calibri Light" panose="020F0302020204030204" pitchFamily="34" charset="0"/>
+          <a:ea typeface="Apple SD Gothic Neo" panose="02000300000000000000" pitchFamily="2" charset="-127"/>
+          <a:cs typeface="Calibri Light" panose="020F0302020204030204" pitchFamily="34" charset="0"/>
+        </a:defRPr>
+      </a:lvl5pPr>
+      <a:lvl6pPr marL="2514306" indent="-228573" algn="l" rtl="0" eaLnBrk="1" fontAlgn="base" latinLnBrk="1" hangingPunct="1">
+        <a:spcBef>
+          <a:spcPct val="20000"/>
+        </a:spcBef>
+        <a:spcAft>
+          <a:spcPct val="0"/>
+        </a:spcAft>
+        <a:buChar char="»"/>
+        <a:defRPr sz="1600">
+          <a:solidFill>
+            <a:schemeClr val="tx1"/>
+          </a:solidFill>
+          <a:latin typeface="+mn-lt"/>
+        </a:defRPr>
+      </a:lvl6pPr>
+      <a:lvl7pPr marL="2971453" indent="-228573" algn="l" rtl="0" eaLnBrk="1" fontAlgn="base" latinLnBrk="1" hangingPunct="1">
+        <a:spcBef>
+          <a:spcPct val="20000"/>
+        </a:spcBef>
+        <a:spcAft>
+          <a:spcPct val="0"/>
+        </a:spcAft>
+        <a:buChar char="»"/>
+        <a:defRPr sz="1600">
+          <a:solidFill>
+            <a:schemeClr val="tx1"/>
+          </a:solidFill>
+          <a:latin typeface="+mn-lt"/>
+        </a:defRPr>
+      </a:lvl7pPr>
+      <a:lvl8pPr marL="3428599" indent="-228573" algn="l" rtl="0" eaLnBrk="1" fontAlgn="base" latinLnBrk="1" hangingPunct="1">
+        <a:spcBef>
+          <a:spcPct val="20000"/>
+        </a:spcBef>
+        <a:spcAft>
+          <a:spcPct val="0"/>
+        </a:spcAft>
+        <a:buChar char="»"/>
+        <a:defRPr sz="1600">
+          <a:solidFill>
+            <a:schemeClr val="tx1"/>
+          </a:solidFill>
+          <a:latin typeface="+mn-lt"/>
+        </a:defRPr>
+      </a:lvl8pPr>
+      <a:lvl9pPr marL="3885746" indent="-228573" algn="l" rtl="0" eaLnBrk="1" fontAlgn="base" latinLnBrk="1" hangingPunct="1">
+        <a:spcBef>
+          <a:spcPct val="20000"/>
+        </a:spcBef>
+        <a:spcAft>
+          <a:spcPct val="0"/>
+        </a:spcAft>
+        <a:buChar char="»"/>
+        <a:defRPr sz="1600">
+          <a:solidFill>
+            <a:schemeClr val="tx1"/>
+          </a:solidFill>
+          <a:latin typeface="+mn-lt"/>
+        </a:defRPr>
+      </a:lvl9pPr>
+    </p:bodyStyle>
+    <p:otherStyle>
+      <a:defPPr>
+        <a:defRPr lang="en-US"/>
+      </a:defPPr>
+      <a:lvl1pPr marL="0" algn="l" defTabSz="914293" rtl="0" eaLnBrk="1" latinLnBrk="1" hangingPunct="1">
+        <a:defRPr sz="1800" kern="1200">
+          <a:solidFill>
+            <a:schemeClr val="tx1"/>
+          </a:solidFill>
+          <a:latin typeface="+mn-lt"/>
+          <a:ea typeface="+mn-ea"/>
+          <a:cs typeface="+mn-cs"/>
+        </a:defRPr>
+      </a:lvl1pPr>
+      <a:lvl2pPr marL="457146" algn="l" defTabSz="914293" rtl="0" eaLnBrk="1" latinLnBrk="1" hangingPunct="1">
+        <a:defRPr sz="1800" kern="1200">
+          <a:solidFill>
+            <a:schemeClr val="tx1"/>
+          </a:solidFill>
+          <a:latin typeface="+mn-lt"/>
+          <a:ea typeface="+mn-ea"/>
+          <a:cs typeface="+mn-cs"/>
+        </a:defRPr>
+      </a:lvl2pPr>
+      <a:lvl3pPr marL="914293" algn="l" defTabSz="914293" rtl="0" eaLnBrk="1" latinLnBrk="1" hangingPunct="1">
+        <a:defRPr sz="1800" kern="1200">
+          <a:solidFill>
+            <a:schemeClr val="tx1"/>
+          </a:solidFill>
+          <a:latin typeface="+mn-lt"/>
+          <a:ea typeface="+mn-ea"/>
+          <a:cs typeface="+mn-cs"/>
+        </a:defRPr>
+      </a:lvl3pPr>
+      <a:lvl4pPr marL="1371440" algn="l" defTabSz="914293" rtl="0" eaLnBrk="1" latinLnBrk="1" hangingPunct="1">
+        <a:defRPr sz="1800" kern="1200">
+          <a:solidFill>
+            <a:schemeClr val="tx1"/>
+          </a:solidFill>
+          <a:latin typeface="+mn-lt"/>
+          <a:ea typeface="+mn-ea"/>
+          <a:cs typeface="+mn-cs"/>
+        </a:defRPr>
+      </a:lvl4pPr>
+      <a:lvl5pPr marL="1828586" algn="l" defTabSz="914293" rtl="0" eaLnBrk="1" latinLnBrk="1" hangingPunct="1">
+        <a:defRPr sz="1800" kern="1200">
+          <a:solidFill>
+            <a:schemeClr val="tx1"/>
+          </a:solidFill>
+          <a:latin typeface="+mn-lt"/>
+          <a:ea typeface="+mn-ea"/>
+          <a:cs typeface="+mn-cs"/>
+        </a:defRPr>
+      </a:lvl5pPr>
+      <a:lvl6pPr marL="2285733" algn="l" defTabSz="914293" rtl="0" eaLnBrk="1" latinLnBrk="1" hangingPunct="1">
+        <a:defRPr sz="1800" kern="1200">
+          <a:solidFill>
+            <a:schemeClr val="tx1"/>
+          </a:solidFill>
+          <a:latin typeface="+mn-lt"/>
+          <a:ea typeface="+mn-ea"/>
+          <a:cs typeface="+mn-cs"/>
+        </a:defRPr>
+      </a:lvl6pPr>
+      <a:lvl7pPr marL="2742879" algn="l" defTabSz="914293" rtl="0" eaLnBrk="1" latinLnBrk="1" hangingPunct="1">
+        <a:defRPr sz="1800" kern="1200">
+          <a:solidFill>
+            <a:schemeClr val="tx1"/>
+          </a:solidFill>
+          <a:latin typeface="+mn-lt"/>
+          <a:ea typeface="+mn-ea"/>
+          <a:cs typeface="+mn-cs"/>
+        </a:defRPr>
+      </a:lvl7pPr>
+      <a:lvl8pPr marL="3200026" algn="l" defTabSz="914293" rtl="0" eaLnBrk="1" latinLnBrk="1" hangingPunct="1">
+        <a:defRPr sz="1800" kern="1200">
+          <a:solidFill>
+            <a:schemeClr val="tx1"/>
+          </a:solidFill>
+          <a:latin typeface="+mn-lt"/>
+          <a:ea typeface="+mn-ea"/>
+          <a:cs typeface="+mn-cs"/>
+        </a:defRPr>
+      </a:lvl8pPr>
+      <a:lvl9pPr marL="3657172" algn="l" defTabSz="914293" rtl="0" eaLnBrk="1" latinLnBrk="1" hangingPunct="1">
+        <a:defRPr sz="1800" kern="1200">
+          <a:solidFill>
+            <a:schemeClr val="tx1"/>
+          </a:solidFill>
+          <a:latin typeface="+mn-lt"/>
+          <a:ea typeface="+mn-ea"/>
+          <a:cs typeface="+mn-cs"/>
+        </a:defRPr>
+      </a:lvl9pPr>
+    </p:otherStyle>
+  </p:txStyles>
+</p:sldMaster>
+</file>
+
+<file path=ppt/slideMasters/slideMaster4.xml><?xml version="1.0" encoding="utf-8"?>
+<p:sldMaster xmlns:a="http://schemas.openxmlformats.org/drawingml/2006/main" xmlns:r="http://schemas.openxmlformats.org/officeDocument/2006/relationships" xmlns:p="http://schemas.openxmlformats.org/presentationml/2006/main" preserve="1">
+  <p:cSld>
+    <p:bg>
+      <p:bgRef idx="1001">
+        <a:schemeClr val="bg1"/>
+      </p:bgRef>
+    </p:bg>
+    <p:spTree>
+      <p:nvGrpSpPr>
+        <p:cNvPr id="1" name=""/>
+        <p:cNvGrpSpPr/>
+        <p:nvPr/>
+      </p:nvGrpSpPr>
+      <p:grpSpPr>
+        <a:xfrm>
+          <a:off x="0" y="0"/>
+          <a:ext cx="0" cy="0"/>
+          <a:chOff x="0" y="0"/>
+          <a:chExt cx="0" cy="0"/>
+        </a:xfrm>
+      </p:grpSpPr>
+      <p:sp>
+        <p:nvSpPr>
+          <p:cNvPr id="2" name="제목 개체 틀 1">
+            <a:extLst>
+              <a:ext uri="{FF2B5EF4-FFF2-40B4-BE49-F238E27FC236}">
+                <a16:creationId xmlns:a16="http://schemas.microsoft.com/office/drawing/2014/main" id="{A2108B5C-00A7-234B-9463-4E31E27EC5CB}"/>
+              </a:ext>
+            </a:extLst>
+          </p:cNvPr>
+          <p:cNvSpPr>
+            <a:spLocks noGrp="1"/>
+          </p:cNvSpPr>
+          <p:nvPr>
+            <p:ph type="title"/>
+          </p:nvPr>
+        </p:nvSpPr>
+        <p:spPr>
+          <a:xfrm>
+            <a:off x="838200" y="365125"/>
+            <a:ext cx="10515600" cy="1325563"/>
+          </a:xfrm>
+          <a:prstGeom prst="rect">
+            <a:avLst/>
+          </a:prstGeom>
+        </p:spPr>
+        <p:txBody>
+          <a:bodyPr vert="horz" lIns="91440" tIns="45720" rIns="91440" bIns="45720" rtlCol="0" anchor="ctr">
+            <a:normAutofit/>
+          </a:bodyPr>
+          <a:lstStyle/>
+          <a:p>
+            <a:r>
+              <a:rPr kumimoji="1" lang="ko-KR" altLang="en-US" dirty="0"/>
+              <a:t>마스터 제목 스타일 편집</a:t>
+            </a:r>
+            <a:endParaRPr kumimoji="1" lang="ko-Kore-KR" altLang="en-US"/>
+          </a:p>
+        </p:txBody>
+      </p:sp>
+      <p:sp>
+        <p:nvSpPr>
+          <p:cNvPr id="3" name="텍스트 개체 틀 2">
+            <a:extLst>
+              <a:ext uri="{FF2B5EF4-FFF2-40B4-BE49-F238E27FC236}">
+                <a16:creationId xmlns:a16="http://schemas.microsoft.com/office/drawing/2014/main" id="{868F89C2-466E-E04B-A1A2-50F0B7CD50EF}"/>
+              </a:ext>
+            </a:extLst>
+          </p:cNvPr>
+          <p:cNvSpPr>
+            <a:spLocks noGrp="1"/>
+          </p:cNvSpPr>
+          <p:nvPr>
+            <p:ph type="body" idx="1"/>
+          </p:nvPr>
+        </p:nvSpPr>
+        <p:spPr>
+          <a:xfrm>
+            <a:off x="838200" y="1825625"/>
+            <a:ext cx="10515600" cy="4351338"/>
+          </a:xfrm>
+          <a:prstGeom prst="rect">
+            <a:avLst/>
+          </a:prstGeom>
+        </p:spPr>
+        <p:txBody>
+          <a:bodyPr vert="horz" lIns="91440" tIns="45720" rIns="91440" bIns="45720" rtlCol="0">
+            <a:normAutofit/>
+          </a:bodyPr>
+          <a:lstStyle/>
+          <a:p>
+            <a:pPr lvl="0"/>
+            <a:r>
+              <a:rPr kumimoji="1" lang="ko-KR" altLang="en-US" dirty="0"/>
+              <a:t>마스터 텍스트 스타일을 편집하려면 클릭</a:t>
+            </a:r>
+          </a:p>
+          <a:p>
+            <a:pPr lvl="1"/>
+            <a:r>
+              <a:rPr kumimoji="1" lang="ko-KR" altLang="en-US" dirty="0"/>
+              <a:t>두 번째 수준</a:t>
+            </a:r>
+          </a:p>
+          <a:p>
+            <a:pPr lvl="2"/>
+            <a:r>
+              <a:rPr kumimoji="1" lang="ko-KR" altLang="en-US" dirty="0"/>
+              <a:t>세 번째 수준</a:t>
+            </a:r>
+          </a:p>
+          <a:p>
+            <a:pPr lvl="3"/>
+            <a:r>
+              <a:rPr kumimoji="1" lang="ko-KR" altLang="en-US" dirty="0"/>
+              <a:t>네 번째 수준</a:t>
+            </a:r>
+          </a:p>
+          <a:p>
+            <a:pPr lvl="4"/>
+            <a:r>
+              <a:rPr kumimoji="1" lang="ko-KR" altLang="en-US" dirty="0"/>
+              <a:t>다섯 번째 수준</a:t>
+            </a:r>
+            <a:endParaRPr kumimoji="1" lang="ko-Kore-KR" altLang="en-US"/>
+          </a:p>
+        </p:txBody>
+      </p:sp>
+      <p:sp>
+        <p:nvSpPr>
+          <p:cNvPr id="4" name="날짜 개체 틀 3">
+            <a:extLst>
+              <a:ext uri="{FF2B5EF4-FFF2-40B4-BE49-F238E27FC236}">
+                <a16:creationId xmlns:a16="http://schemas.microsoft.com/office/drawing/2014/main" id="{62DCE5AB-85D5-1F4E-A2D7-FCC873008ABF}"/>
+              </a:ext>
+            </a:extLst>
+          </p:cNvPr>
+          <p:cNvSpPr>
+            <a:spLocks noGrp="1"/>
+          </p:cNvSpPr>
+          <p:nvPr>
+            <p:ph type="dt" sz="half" idx="2"/>
+          </p:nvPr>
+        </p:nvSpPr>
+        <p:spPr>
+          <a:xfrm>
+            <a:off x="838200" y="6356350"/>
+            <a:ext cx="2743200" cy="365125"/>
+          </a:xfrm>
+          <a:prstGeom prst="rect">
+            <a:avLst/>
+          </a:prstGeom>
+        </p:spPr>
+        <p:txBody>
+          <a:bodyPr vert="horz" lIns="91440" tIns="45720" rIns="91440" bIns="45720" rtlCol="0" anchor="ctr"/>
+          <a:lstStyle>
+            <a:lvl1pPr algn="l">
+              <a:defRPr sz="1200" b="0" i="0">
+                <a:solidFill>
+                  <a:schemeClr val="tx1">
+                    <a:tint val="75000"/>
+                  </a:schemeClr>
+                </a:solidFill>
+                <a:latin typeface="Calibri Light" panose="020F0302020204030204" pitchFamily="34" charset="0"/>
+                <a:cs typeface="Calibri Light" panose="020F0302020204030204" pitchFamily="34" charset="0"/>
+              </a:defRPr>
+            </a:lvl1pPr>
+          </a:lstStyle>
+          <a:p>
+            <a:endParaRPr kumimoji="1" lang="ko-Kore-KR" altLang="en-US"/>
+          </a:p>
+        </p:txBody>
+      </p:sp>
+      <p:sp>
+        <p:nvSpPr>
+          <p:cNvPr id="5" name="바닥글 개체 틀 4">
+            <a:extLst>
+              <a:ext uri="{FF2B5EF4-FFF2-40B4-BE49-F238E27FC236}">
+                <a16:creationId xmlns:a16="http://schemas.microsoft.com/office/drawing/2014/main" id="{F6C3E0D0-4799-7548-9FCB-7308172243D1}"/>
+              </a:ext>
+            </a:extLst>
+          </p:cNvPr>
+          <p:cNvSpPr>
+            <a:spLocks noGrp="1"/>
+          </p:cNvSpPr>
+          <p:nvPr>
+            <p:ph type="ftr" sz="quarter" idx="3"/>
+          </p:nvPr>
+        </p:nvSpPr>
+        <p:spPr>
+          <a:xfrm>
+            <a:off x="4038600" y="6356350"/>
+            <a:ext cx="4114800" cy="365125"/>
+          </a:xfrm>
+          <a:prstGeom prst="rect">
+            <a:avLst/>
+          </a:prstGeom>
+        </p:spPr>
+        <p:txBody>
+          <a:bodyPr vert="horz" lIns="91440" tIns="45720" rIns="91440" bIns="45720" rtlCol="0" anchor="ctr"/>
+          <a:lstStyle>
+            <a:lvl1pPr algn="ctr">
+              <a:defRPr sz="1200" b="0" i="0">
+                <a:solidFill>
+                  <a:schemeClr val="tx1">
+                    <a:tint val="75000"/>
+                  </a:schemeClr>
+                </a:solidFill>
+                <a:latin typeface="Calibri Light" panose="020F0302020204030204" pitchFamily="34" charset="0"/>
+                <a:cs typeface="Calibri Light" panose="020F0302020204030204" pitchFamily="34" charset="0"/>
+              </a:defRPr>
+            </a:lvl1pPr>
+          </a:lstStyle>
+          <a:p>
+            <a:endParaRPr kumimoji="1" lang="ko-Kore-KR" altLang="en-US"/>
+          </a:p>
+        </p:txBody>
+      </p:sp>
+    </p:spTree>
+    <p:extLst>
+      <p:ext uri="{BB962C8B-B14F-4D97-AF65-F5344CB8AC3E}">
+        <p14:creationId xmlns:p14="http://schemas.microsoft.com/office/powerpoint/2010/main" val="3944024315"/>
+      </p:ext>
+    </p:extLst>
+  </p:cSld>
+  <p:clrMap bg1="lt1" tx1="dk1" bg2="lt2" tx2="dk2" accent1="accent1" accent2="accent2" accent3="accent3" accent4="accent4" accent5="accent5" accent6="accent6" hlink="hlink" folHlink="folHlink"/>
+  <p:sldLayoutIdLst>
+    <p:sldLayoutId id="2147483772" r:id="rId1"/>
+    <p:sldLayoutId id="2147483773" r:id="rId2"/>
+  </p:sldLayoutIdLst>
+  <p:hf hdr="0" ftr="0" dt="0"/>
+  <p:txStyles>
+    <p:titleStyle>
+      <a:lvl1pPr algn="l" defTabSz="914400" rtl="0" eaLnBrk="1" latinLnBrk="1" hangingPunct="1">
+        <a:lnSpc>
+          <a:spcPct val="90000"/>
+        </a:lnSpc>
+        <a:spcBef>
+          <a:spcPct val="0"/>
+        </a:spcBef>
+        <a:buNone/>
+        <a:defRPr sz="4400" b="0" i="0" kern="1200">
+          <a:solidFill>
+            <a:schemeClr val="tx1"/>
+          </a:solidFill>
+          <a:latin typeface="Calibri Light" panose="020F0302020204030204" pitchFamily="34" charset="0"/>
+          <a:ea typeface="+mj-ea"/>
+          <a:cs typeface="Calibri Light" panose="020F0302020204030204" pitchFamily="34" charset="0"/>
+        </a:defRPr>
+      </a:lvl1pPr>
+    </p:titleStyle>
+    <p:bodyStyle>
+      <a:lvl1pPr marL="228600" indent="-228600" algn="l" defTabSz="914400" rtl="0" eaLnBrk="1" latinLnBrk="1" hangingPunct="1">
+        <a:lnSpc>
+          <a:spcPct val="90000"/>
+        </a:lnSpc>
+        <a:spcBef>
+          <a:spcPts val="1000"/>
+        </a:spcBef>
+        <a:buFont typeface="Arial" panose="020B0604020202020204" pitchFamily="34" charset="0"/>
+        <a:buChar char="•"/>
+        <a:defRPr sz="2800" b="0" i="0" kern="1200">
+          <a:solidFill>
+            <a:schemeClr val="tx1"/>
+          </a:solidFill>
+          <a:latin typeface="Calibri Light" panose="020F0302020204030204" pitchFamily="34" charset="0"/>
+          <a:ea typeface="+mn-ea"/>
+          <a:cs typeface="Calibri Light" panose="020F0302020204030204" pitchFamily="34" charset="0"/>
+        </a:defRPr>
+      </a:lvl1pPr>
+      <a:lvl2pPr marL="685800" indent="-228600" algn="l" defTabSz="914400" rtl="0" eaLnBrk="1" latinLnBrk="1" hangingPunct="1">
+        <a:lnSpc>
+          <a:spcPct val="90000"/>
+        </a:lnSpc>
+        <a:spcBef>
+          <a:spcPts val="500"/>
+        </a:spcBef>
+        <a:buFont typeface="Arial" panose="020B0604020202020204" pitchFamily="34" charset="0"/>
+        <a:buChar char="•"/>
+        <a:defRPr sz="2400" b="0" i="0" kern="1200">
+          <a:solidFill>
+            <a:schemeClr val="tx1"/>
+          </a:solidFill>
+          <a:latin typeface="Calibri Light" panose="020F0302020204030204" pitchFamily="34" charset="0"/>
+          <a:ea typeface="+mn-ea"/>
+          <a:cs typeface="Calibri Light" panose="020F0302020204030204" pitchFamily="34" charset="0"/>
+        </a:defRPr>
+      </a:lvl2pPr>
+      <a:lvl3pPr marL="1143000" indent="-228600" algn="l" defTabSz="914400" rtl="0" eaLnBrk="1" latinLnBrk="1" hangingPunct="1">
+        <a:lnSpc>
+          <a:spcPct val="90000"/>
+        </a:lnSpc>
+        <a:spcBef>
+          <a:spcPts val="500"/>
+        </a:spcBef>
+        <a:buFont typeface="Arial" panose="020B0604020202020204" pitchFamily="34" charset="0"/>
+        <a:buChar char="•"/>
+        <a:defRPr sz="2000" b="0" i="0" kern="1200">
+          <a:solidFill>
+            <a:schemeClr val="tx1"/>
+          </a:solidFill>
+          <a:latin typeface="Calibri Light" panose="020F0302020204030204" pitchFamily="34" charset="0"/>
+          <a:ea typeface="+mn-ea"/>
+          <a:cs typeface="Calibri Light" panose="020F0302020204030204" pitchFamily="34" charset="0"/>
+        </a:defRPr>
+      </a:lvl3pPr>
+      <a:lvl4pPr marL="1600200" indent="-228600" algn="l" defTabSz="914400" rtl="0" eaLnBrk="1" latinLnBrk="1" hangingPunct="1">
+        <a:lnSpc>
+          <a:spcPct val="90000"/>
+        </a:lnSpc>
+        <a:spcBef>
+          <a:spcPts val="500"/>
+        </a:spcBef>
+        <a:buFont typeface="Arial" panose="020B0604020202020204" pitchFamily="34" charset="0"/>
+        <a:buChar char="•"/>
+        <a:defRPr sz="1800" b="0" i="0" kern="1200">
+          <a:solidFill>
+            <a:schemeClr val="tx1"/>
+          </a:solidFill>
+          <a:latin typeface="Calibri Light" panose="020F0302020204030204" pitchFamily="34" charset="0"/>
+          <a:ea typeface="+mn-ea"/>
+          <a:cs typeface="Calibri Light" panose="020F0302020204030204" pitchFamily="34" charset="0"/>
+        </a:defRPr>
+      </a:lvl4pPr>
+      <a:lvl5pPr marL="2057400" indent="-228600" algn="l" defTabSz="914400" rtl="0" eaLnBrk="1" latinLnBrk="1" hangingPunct="1">
+        <a:lnSpc>
+          <a:spcPct val="90000"/>
+        </a:lnSpc>
+        <a:spcBef>
+          <a:spcPts val="500"/>
+        </a:spcBef>
+        <a:buFont typeface="Arial" panose="020B0604020202020204" pitchFamily="34" charset="0"/>
+        <a:buChar char="•"/>
+        <a:defRPr sz="1800" b="0" i="0" kern="1200">
+          <a:solidFill>
+            <a:schemeClr val="tx1"/>
+          </a:solidFill>
+          <a:latin typeface="Calibri Light" panose="020F0302020204030204" pitchFamily="34" charset="0"/>
+          <a:ea typeface="+mn-ea"/>
+          <a:cs typeface="Calibri Light" panose="020F0302020204030204" pitchFamily="34" charset="0"/>
+        </a:defRPr>
+      </a:lvl5pPr>
+      <a:lvl6pPr marL="2514600" indent="-228600" algn="l" defTabSz="914400" rtl="0" eaLnBrk="1" latinLnBrk="1" hangingPunct="1">
+        <a:lnSpc>
+          <a:spcPct val="90000"/>
+        </a:lnSpc>
+        <a:spcBef>
+          <a:spcPts val="500"/>
+        </a:spcBef>
+        <a:buFont typeface="Arial" panose="020B0604020202020204" pitchFamily="34" charset="0"/>
+        <a:buChar char="•"/>
+        <a:defRPr sz="1800" kern="1200">
+          <a:solidFill>
+            <a:schemeClr val="tx1"/>
+          </a:solidFill>
+          <a:latin typeface="+mn-lt"/>
+          <a:ea typeface="+mn-ea"/>
+          <a:cs typeface="+mn-cs"/>
+        </a:defRPr>
+      </a:lvl6pPr>
+      <a:lvl7pPr marL="2971800" indent="-228600" algn="l" defTabSz="914400" rtl="0" eaLnBrk="1" latinLnBrk="1" hangingPunct="1">
+        <a:lnSpc>
+          <a:spcPct val="90000"/>
+        </a:lnSpc>
+        <a:spcBef>
+          <a:spcPts val="500"/>
+        </a:spcBef>
+        <a:buFont typeface="Arial" panose="020B0604020202020204" pitchFamily="34" charset="0"/>
+        <a:buChar char="•"/>
+        <a:defRPr sz="1800" kern="1200">
+          <a:solidFill>
+            <a:schemeClr val="tx1"/>
+          </a:solidFill>
+          <a:latin typeface="+mn-lt"/>
+          <a:ea typeface="+mn-ea"/>
+          <a:cs typeface="+mn-cs"/>
+        </a:defRPr>
+      </a:lvl7pPr>
+      <a:lvl8pPr marL="3429000" indent="-228600" algn="l" defTabSz="914400" rtl="0" eaLnBrk="1" latinLnBrk="1" hangingPunct="1">
+        <a:lnSpc>
+          <a:spcPct val="90000"/>
+        </a:lnSpc>
+        <a:spcBef>
+          <a:spcPts val="500"/>
+        </a:spcBef>
+        <a:buFont typeface="Arial" panose="020B0604020202020204" pitchFamily="34" charset="0"/>
+        <a:buChar char="•"/>
+        <a:defRPr sz="1800" kern="1200">
+          <a:solidFill>
+            <a:schemeClr val="tx1"/>
+          </a:solidFill>
+          <a:latin typeface="+mn-lt"/>
+          <a:ea typeface="+mn-ea"/>
+          <a:cs typeface="+mn-cs"/>
+        </a:defRPr>
+      </a:lvl8pPr>
+      <a:lvl9pPr marL="3886200" indent="-228600" algn="l" defTabSz="914400" rtl="0" eaLnBrk="1" latinLnBrk="1" hangingPunct="1">
+        <a:lnSpc>
+          <a:spcPct val="90000"/>
+        </a:lnSpc>
+        <a:spcBef>
+          <a:spcPts val="500"/>
+        </a:spcBef>
+        <a:buFont typeface="Arial" panose="020B0604020202020204" pitchFamily="34" charset="0"/>
+        <a:buChar char="•"/>
+        <a:defRPr sz="1800" kern="1200">
+          <a:solidFill>
+            <a:schemeClr val="tx1"/>
+          </a:solidFill>
+          <a:latin typeface="+mn-lt"/>
+          <a:ea typeface="+mn-ea"/>
+          <a:cs typeface="+mn-cs"/>
+        </a:defRPr>
+      </a:lvl9pPr>
+    </p:bodyStyle>
+    <p:otherStyle>
+      <a:defPPr>
+        <a:defRPr lang="ko-Kore-KR"/>
+      </a:defPPr>
+      <a:lvl1pPr marL="0" algn="l" defTabSz="914400" rtl="0" eaLnBrk="1" latinLnBrk="1" hangingPunct="1">
+        <a:defRPr sz="1800" kern="1200">
+          <a:solidFill>
+            <a:schemeClr val="tx1"/>
+          </a:solidFill>
+          <a:latin typeface="+mn-lt"/>
+          <a:ea typeface="+mn-ea"/>
+          <a:cs typeface="+mn-cs"/>
+        </a:defRPr>
+      </a:lvl1pPr>
+      <a:lvl2pPr marL="457200" algn="l" defTabSz="914400" rtl="0" eaLnBrk="1" latinLnBrk="1" hangingPunct="1">
+        <a:defRPr sz="1800" kern="1200">
+          <a:solidFill>
+            <a:schemeClr val="tx1"/>
+          </a:solidFill>
+          <a:latin typeface="+mn-lt"/>
+          <a:ea typeface="+mn-ea"/>
+          <a:cs typeface="+mn-cs"/>
+        </a:defRPr>
+      </a:lvl2pPr>
+      <a:lvl3pPr marL="914400" algn="l" defTabSz="914400" rtl="0" eaLnBrk="1" latinLnBrk="1" hangingPunct="1">
+        <a:defRPr sz="1800" kern="1200">
+          <a:solidFill>
+            <a:schemeClr val="tx1"/>
+          </a:solidFill>
+          <a:latin typeface="+mn-lt"/>
+          <a:ea typeface="+mn-ea"/>
+          <a:cs typeface="+mn-cs"/>
+        </a:defRPr>
+      </a:lvl3pPr>
+      <a:lvl4pPr marL="1371600" algn="l" defTabSz="914400" rtl="0" eaLnBrk="1" latinLnBrk="1" hangingPunct="1">
+        <a:defRPr sz="1800" kern="1200">
+          <a:solidFill>
+            <a:schemeClr val="tx1"/>
+          </a:solidFill>
+          <a:latin typeface="+mn-lt"/>
+          <a:ea typeface="+mn-ea"/>
+          <a:cs typeface="+mn-cs"/>
+        </a:defRPr>
+      </a:lvl4pPr>
+      <a:lvl5pPr marL="1828800" algn="l" defTabSz="914400" rtl="0" eaLnBrk="1" latinLnBrk="1" hangingPunct="1">
+        <a:defRPr sz="1800" kern="1200">
+          <a:solidFill>
+            <a:schemeClr val="tx1"/>
+          </a:solidFill>
+          <a:latin typeface="+mn-lt"/>
+          <a:ea typeface="+mn-ea"/>
+          <a:cs typeface="+mn-cs"/>
+        </a:defRPr>
+      </a:lvl5pPr>
+      <a:lvl6pPr marL="2286000" algn="l" defTabSz="914400" rtl="0" eaLnBrk="1" latinLnBrk="1" hangingPunct="1">
+        <a:defRPr sz="1800" kern="1200">
+          <a:solidFill>
+            <a:schemeClr val="tx1"/>
+          </a:solidFill>
+          <a:latin typeface="+mn-lt"/>
+          <a:ea typeface="+mn-ea"/>
+          <a:cs typeface="+mn-cs"/>
+        </a:defRPr>
+      </a:lvl6pPr>
+      <a:lvl7pPr marL="2743200" algn="l" defTabSz="914400" rtl="0" eaLnBrk="1" latinLnBrk="1" hangingPunct="1">
+        <a:defRPr sz="1800" kern="1200">
+          <a:solidFill>
+            <a:schemeClr val="tx1"/>
+          </a:solidFill>
+          <a:latin typeface="+mn-lt"/>
+          <a:ea typeface="+mn-ea"/>
+          <a:cs typeface="+mn-cs"/>
+        </a:defRPr>
+      </a:lvl7pPr>
+      <a:lvl8pPr marL="3200400" algn="l" defTabSz="914400" rtl="0" eaLnBrk="1" latinLnBrk="1" hangingPunct="1">
+        <a:defRPr sz="1800" kern="1200">
+          <a:solidFill>
+            <a:schemeClr val="tx1"/>
+          </a:solidFill>
+          <a:latin typeface="+mn-lt"/>
+          <a:ea typeface="+mn-ea"/>
+          <a:cs typeface="+mn-cs"/>
+        </a:defRPr>
+      </a:lvl8pPr>
+      <a:lvl9pPr marL="3657600" algn="l" defTabSz="914400" rtl="0" eaLnBrk="1" latinLnBrk="1" hangingPunct="1">
+        <a:defRPr sz="1800" kern="1200">
+          <a:solidFill>
+            <a:schemeClr val="tx1"/>
+          </a:solidFill>
+          <a:latin typeface="+mn-lt"/>
+          <a:ea typeface="+mn-ea"/>
+          <a:cs typeface="+mn-cs"/>
+        </a:defRPr>
+      </a:lvl9pPr>
+    </p:otherStyle>
+  </p:txStyles>
+</p:sldMaster>
+</file>
+
 <file path=ppt/slides/slide1.xml><?xml version="1.0" encoding="utf-8"?>
 <p:sld xmlns:a="http://schemas.openxmlformats.org/drawingml/2006/main" xmlns:r="http://schemas.openxmlformats.org/officeDocument/2006/relationships" xmlns:p="http://schemas.openxmlformats.org/presentationml/2006/main">
   <p:cSld>
@@ -4634,50 +6862,9 @@
             </a:r>
             <a:r>
               <a:rPr lang="en-US" altLang="ko-Kore-KR" dirty="0" err="1"/>
-              <a:t>iKSTAR</a:t>
+              <a:t>nKSTAR</a:t>
             </a:r>
             <a:endParaRPr kumimoji="1" lang="ko-KR" altLang="en-US" dirty="0"/>
-          </a:p>
-        </p:txBody>
-      </p:sp>
-      <p:sp>
-        <p:nvSpPr>
-          <p:cNvPr id="3" name="내용 개체 틀 2">
-            <a:extLst>
-              <a:ext uri="{FF2B5EF4-FFF2-40B4-BE49-F238E27FC236}">
-                <a16:creationId xmlns:a16="http://schemas.microsoft.com/office/drawing/2014/main" id="{C5A5E553-1E98-484D-9238-3C943B6935D5}"/>
-              </a:ext>
-            </a:extLst>
-          </p:cNvPr>
-          <p:cNvSpPr>
-            <a:spLocks noGrp="1"/>
-          </p:cNvSpPr>
-          <p:nvPr>
-            <p:ph idx="1"/>
-          </p:nvPr>
-        </p:nvSpPr>
-        <p:spPr>
-          <a:xfrm>
-            <a:off x="239377" y="1052736"/>
-            <a:ext cx="11684000" cy="371911"/>
-          </a:xfrm>
-        </p:spPr>
-        <p:txBody>
-          <a:bodyPr/>
-          <a:lstStyle/>
-          <a:p>
-            <a:r>
-              <a:rPr lang="en-US" altLang="ko-KR" sz="2000" dirty="0"/>
-              <a:t>Login </a:t>
-            </a:r>
-            <a:r>
-              <a:rPr lang="en-US" altLang="ko-KR" sz="2000" dirty="0" err="1"/>
-              <a:t>iKSTAR</a:t>
-            </a:r>
-            <a:r>
-              <a:rPr lang="en-US" altLang="ko-KR" sz="2000" dirty="0"/>
-              <a:t> server</a:t>
-            </a:r>
           </a:p>
         </p:txBody>
       </p:sp>
@@ -4707,161 +6894,6 @@
               <a:t>1</a:t>
             </a:fld>
             <a:endParaRPr lang="ko-KR" altLang="en-US"/>
-          </a:p>
-        </p:txBody>
-      </p:sp>
-      <p:sp>
-        <p:nvSpPr>
-          <p:cNvPr id="6" name="슬라이드 번호 개체 틀 3">
-            <a:extLst>
-              <a:ext uri="{FF2B5EF4-FFF2-40B4-BE49-F238E27FC236}">
-                <a16:creationId xmlns:a16="http://schemas.microsoft.com/office/drawing/2014/main" id="{600AD421-8A70-1849-845D-3AA36ABBCEB1}"/>
-              </a:ext>
-            </a:extLst>
-          </p:cNvPr>
-          <p:cNvSpPr txBox="1">
-            <a:spLocks/>
-          </p:cNvSpPr>
-          <p:nvPr/>
-        </p:nvSpPr>
-        <p:spPr>
-          <a:xfrm>
-            <a:off x="839416" y="6567487"/>
-            <a:ext cx="8856984" cy="290513"/>
-          </a:xfrm>
-          <a:prstGeom prst="rect">
-            <a:avLst/>
-          </a:prstGeom>
-        </p:spPr>
-        <p:txBody>
-          <a:bodyPr vert="horz" lIns="91440" tIns="45720" rIns="91440" bIns="45720" rtlCol="0" anchor="ctr"/>
-          <a:lstStyle>
-            <a:defPPr>
-              <a:defRPr lang="ko-KR"/>
-            </a:defPPr>
-            <a:lvl1pPr marL="0" algn="r" defTabSz="914400" rtl="0" eaLnBrk="1" fontAlgn="auto" latinLnBrk="1" hangingPunct="1">
-              <a:spcBef>
-                <a:spcPts val="0"/>
-              </a:spcBef>
-              <a:spcAft>
-                <a:spcPts val="0"/>
-              </a:spcAft>
-              <a:defRPr kumimoji="0" sz="1800" b="1" kern="1200">
-                <a:solidFill>
-                  <a:schemeClr val="tx1">
-                    <a:lumMod val="65000"/>
-                    <a:lumOff val="35000"/>
-                  </a:schemeClr>
-                </a:solidFill>
-                <a:latin typeface="+mn-lt"/>
-                <a:ea typeface="+mn-ea"/>
-                <a:cs typeface="+mn-cs"/>
-              </a:defRPr>
-            </a:lvl1pPr>
-            <a:lvl2pPr marL="457200" algn="l" defTabSz="914400" rtl="0" eaLnBrk="1" latinLnBrk="1" hangingPunct="1">
-              <a:defRPr sz="1800" kern="1200">
-                <a:solidFill>
-                  <a:schemeClr val="tx1"/>
-                </a:solidFill>
-                <a:latin typeface="+mn-lt"/>
-                <a:ea typeface="+mn-ea"/>
-                <a:cs typeface="+mn-cs"/>
-              </a:defRPr>
-            </a:lvl2pPr>
-            <a:lvl3pPr marL="914400" algn="l" defTabSz="914400" rtl="0" eaLnBrk="1" latinLnBrk="1" hangingPunct="1">
-              <a:defRPr sz="1800" kern="1200">
-                <a:solidFill>
-                  <a:schemeClr val="tx1"/>
-                </a:solidFill>
-                <a:latin typeface="+mn-lt"/>
-                <a:ea typeface="+mn-ea"/>
-                <a:cs typeface="+mn-cs"/>
-              </a:defRPr>
-            </a:lvl3pPr>
-            <a:lvl4pPr marL="1371600" algn="l" defTabSz="914400" rtl="0" eaLnBrk="1" latinLnBrk="1" hangingPunct="1">
-              <a:defRPr sz="1800" kern="1200">
-                <a:solidFill>
-                  <a:schemeClr val="tx1"/>
-                </a:solidFill>
-                <a:latin typeface="+mn-lt"/>
-                <a:ea typeface="+mn-ea"/>
-                <a:cs typeface="+mn-cs"/>
-              </a:defRPr>
-            </a:lvl4pPr>
-            <a:lvl5pPr marL="1828800" algn="l" defTabSz="914400" rtl="0" eaLnBrk="1" latinLnBrk="1" hangingPunct="1">
-              <a:defRPr sz="1800" kern="1200">
-                <a:solidFill>
-                  <a:schemeClr val="tx1"/>
-                </a:solidFill>
-                <a:latin typeface="+mn-lt"/>
-                <a:ea typeface="+mn-ea"/>
-                <a:cs typeface="+mn-cs"/>
-              </a:defRPr>
-            </a:lvl5pPr>
-            <a:lvl6pPr marL="2286000" algn="l" defTabSz="914400" rtl="0" eaLnBrk="1" latinLnBrk="1" hangingPunct="1">
-              <a:defRPr sz="1800" kern="1200">
-                <a:solidFill>
-                  <a:schemeClr val="tx1"/>
-                </a:solidFill>
-                <a:latin typeface="+mn-lt"/>
-                <a:ea typeface="+mn-ea"/>
-                <a:cs typeface="+mn-cs"/>
-              </a:defRPr>
-            </a:lvl6pPr>
-            <a:lvl7pPr marL="2743200" algn="l" defTabSz="914400" rtl="0" eaLnBrk="1" latinLnBrk="1" hangingPunct="1">
-              <a:defRPr sz="1800" kern="1200">
-                <a:solidFill>
-                  <a:schemeClr val="tx1"/>
-                </a:solidFill>
-                <a:latin typeface="+mn-lt"/>
-                <a:ea typeface="+mn-ea"/>
-                <a:cs typeface="+mn-cs"/>
-              </a:defRPr>
-            </a:lvl7pPr>
-            <a:lvl8pPr marL="3200400" algn="l" defTabSz="914400" rtl="0" eaLnBrk="1" latinLnBrk="1" hangingPunct="1">
-              <a:defRPr sz="1800" kern="1200">
-                <a:solidFill>
-                  <a:schemeClr val="tx1"/>
-                </a:solidFill>
-                <a:latin typeface="+mn-lt"/>
-                <a:ea typeface="+mn-ea"/>
-                <a:cs typeface="+mn-cs"/>
-              </a:defRPr>
-            </a:lvl8pPr>
-            <a:lvl9pPr marL="3657600" algn="l" defTabSz="914400" rtl="0" eaLnBrk="1" latinLnBrk="1" hangingPunct="1">
-              <a:defRPr sz="1800" kern="1200">
-                <a:solidFill>
-                  <a:schemeClr val="tx1"/>
-                </a:solidFill>
-                <a:latin typeface="+mn-lt"/>
-                <a:ea typeface="+mn-ea"/>
-                <a:cs typeface="+mn-cs"/>
-              </a:defRPr>
-            </a:lvl9pPr>
-          </a:lstStyle>
-          <a:p>
-            <a:pPr algn="l">
-              <a:defRPr/>
-            </a:pPr>
-            <a:r>
-              <a:rPr lang="en-US" altLang="ko-KR" sz="1400" dirty="0">
-                <a:solidFill>
-                  <a:srgbClr val="000000">
-                    <a:lumMod val="65000"/>
-                    <a:lumOff val="35000"/>
-                  </a:srgbClr>
-                </a:solidFill>
-              </a:rPr>
-              <a:t>[M.J. Choi, IAEA TM, July, 2020]</a:t>
-            </a:r>
-            <a:endParaRPr lang="ko-KR" altLang="en-US" sz="1400" dirty="0">
-              <a:solidFill>
-                <a:srgbClr val="000000">
-                  <a:lumMod val="65000"/>
-                  <a:lumOff val="35000"/>
-                </a:srgbClr>
-              </a:solidFill>
-            </a:endParaRPr>
           </a:p>
         </p:txBody>
       </p:sp>
@@ -5520,7 +7552,7 @@
             </a:r>
             <a:r>
               <a:rPr lang="en-US" altLang="ko-KR" sz="2000" kern="0" dirty="0" err="1"/>
-              <a:t>iKSTAR</a:t>
+              <a:t>nKSTAR</a:t>
             </a:r>
             <a:r>
               <a:rPr lang="en-US" altLang="ko-KR" sz="2000" kern="0" dirty="0"/>
@@ -5533,6 +7565,436 @@
             <a:r>
               <a:rPr lang="en-US" altLang="ko-KR" sz="2000" kern="0" dirty="0"/>
               <a:t>’ repo and pull the code</a:t>
+            </a:r>
+          </a:p>
+        </p:txBody>
+      </p:sp>
+      <p:sp>
+        <p:nvSpPr>
+          <p:cNvPr id="10" name="내용 개체 틀 2">
+            <a:extLst>
+              <a:ext uri="{FF2B5EF4-FFF2-40B4-BE49-F238E27FC236}">
+                <a16:creationId xmlns:a16="http://schemas.microsoft.com/office/drawing/2014/main" id="{525C21E2-AC12-9DCE-7A5A-386312A24EE1}"/>
+              </a:ext>
+            </a:extLst>
+          </p:cNvPr>
+          <p:cNvSpPr txBox="1">
+            <a:spLocks/>
+          </p:cNvSpPr>
+          <p:nvPr/>
+        </p:nvSpPr>
+        <p:spPr bwMode="auto">
+          <a:xfrm>
+            <a:off x="239377" y="5531119"/>
+            <a:ext cx="11684000" cy="438483"/>
+          </a:xfrm>
+          <a:prstGeom prst="rect">
+            <a:avLst/>
+          </a:prstGeom>
+          <a:noFill/>
+          <a:ln w="9525">
+            <a:noFill/>
+            <a:miter lim="800000"/>
+            <a:headEnd/>
+            <a:tailEnd/>
+          </a:ln>
+        </p:spPr>
+        <p:txBody>
+          <a:bodyPr vert="horz" wrap="square" lIns="91440" tIns="45720" rIns="91440" bIns="45720" numCol="1" anchor="t" anchorCtr="0" compatLnSpc="1">
+            <a:prstTxWarp prst="textNoShape">
+              <a:avLst/>
+            </a:prstTxWarp>
+          </a:bodyPr>
+          <a:lstStyle>
+            <a:lvl1pPr marL="342900" indent="-342900" algn="l" rtl="0" eaLnBrk="1" fontAlgn="base" latinLnBrk="1" hangingPunct="1">
+              <a:spcBef>
+                <a:spcPct val="20000"/>
+              </a:spcBef>
+              <a:spcAft>
+                <a:spcPct val="0"/>
+              </a:spcAft>
+              <a:buFont typeface="Wingdings" panose="05000000000000000000" pitchFamily="2" charset="2"/>
+              <a:buChar char="§"/>
+              <a:defRPr sz="2800">
+                <a:solidFill>
+                  <a:schemeClr val="tx1"/>
+                </a:solidFill>
+                <a:latin typeface="+mn-lt"/>
+                <a:ea typeface="ＭＳ Ｐゴシック" charset="-128"/>
+                <a:cs typeface="ＭＳ Ｐゴシック" charset="-128"/>
+              </a:defRPr>
+            </a:lvl1pPr>
+            <a:lvl2pPr marL="741363" indent="-284163" algn="l" rtl="0" eaLnBrk="1" fontAlgn="base" latinLnBrk="1" hangingPunct="1">
+              <a:spcBef>
+                <a:spcPct val="20000"/>
+              </a:spcBef>
+              <a:spcAft>
+                <a:spcPct val="0"/>
+              </a:spcAft>
+              <a:buChar char="–"/>
+              <a:defRPr sz="2400">
+                <a:solidFill>
+                  <a:schemeClr val="accent2"/>
+                </a:solidFill>
+                <a:latin typeface="+mn-lt"/>
+                <a:ea typeface="ＭＳ Ｐゴシック" charset="-128"/>
+              </a:defRPr>
+            </a:lvl2pPr>
+            <a:lvl3pPr marL="1141413" indent="-227013" algn="l" rtl="0" eaLnBrk="1" fontAlgn="base" latinLnBrk="1" hangingPunct="1">
+              <a:spcBef>
+                <a:spcPct val="20000"/>
+              </a:spcBef>
+              <a:spcAft>
+                <a:spcPct val="0"/>
+              </a:spcAft>
+              <a:buChar char="•"/>
+              <a:defRPr sz="2400">
+                <a:solidFill>
+                  <a:srgbClr val="FF0000"/>
+                </a:solidFill>
+                <a:latin typeface="+mn-lt"/>
+                <a:ea typeface="ＭＳ Ｐゴシック" charset="-128"/>
+              </a:defRPr>
+            </a:lvl3pPr>
+            <a:lvl4pPr marL="1598613" indent="-227013" algn="l" rtl="0" eaLnBrk="1" fontAlgn="base" latinLnBrk="1" hangingPunct="1">
+              <a:spcBef>
+                <a:spcPct val="20000"/>
+              </a:spcBef>
+              <a:spcAft>
+                <a:spcPct val="0"/>
+              </a:spcAft>
+              <a:buChar char="–"/>
+              <a:defRPr sz="2400">
+                <a:solidFill>
+                  <a:srgbClr val="009999"/>
+                </a:solidFill>
+                <a:latin typeface="+mn-lt"/>
+                <a:ea typeface="ＭＳ Ｐゴシック" charset="-128"/>
+              </a:defRPr>
+            </a:lvl4pPr>
+            <a:lvl5pPr marL="2055813" indent="-227013" algn="l" rtl="0" eaLnBrk="1" fontAlgn="base" latinLnBrk="1" hangingPunct="1">
+              <a:spcBef>
+                <a:spcPct val="20000"/>
+              </a:spcBef>
+              <a:spcAft>
+                <a:spcPct val="0"/>
+              </a:spcAft>
+              <a:buChar char="»"/>
+              <a:defRPr sz="2400">
+                <a:solidFill>
+                  <a:schemeClr val="tx1"/>
+                </a:solidFill>
+                <a:latin typeface="+mn-lt"/>
+                <a:ea typeface="ＭＳ Ｐゴシック" charset="-128"/>
+              </a:defRPr>
+            </a:lvl5pPr>
+            <a:lvl6pPr marL="2514306" indent="-228573" algn="l" rtl="0" eaLnBrk="1" fontAlgn="base" latinLnBrk="1" hangingPunct="1">
+              <a:spcBef>
+                <a:spcPct val="20000"/>
+              </a:spcBef>
+              <a:spcAft>
+                <a:spcPct val="0"/>
+              </a:spcAft>
+              <a:buChar char="»"/>
+              <a:defRPr sz="1600">
+                <a:solidFill>
+                  <a:schemeClr val="tx1"/>
+                </a:solidFill>
+                <a:latin typeface="+mn-lt"/>
+              </a:defRPr>
+            </a:lvl6pPr>
+            <a:lvl7pPr marL="2971453" indent="-228573" algn="l" rtl="0" eaLnBrk="1" fontAlgn="base" latinLnBrk="1" hangingPunct="1">
+              <a:spcBef>
+                <a:spcPct val="20000"/>
+              </a:spcBef>
+              <a:spcAft>
+                <a:spcPct val="0"/>
+              </a:spcAft>
+              <a:buChar char="»"/>
+              <a:defRPr sz="1600">
+                <a:solidFill>
+                  <a:schemeClr val="tx1"/>
+                </a:solidFill>
+                <a:latin typeface="+mn-lt"/>
+              </a:defRPr>
+            </a:lvl7pPr>
+            <a:lvl8pPr marL="3428599" indent="-228573" algn="l" rtl="0" eaLnBrk="1" fontAlgn="base" latinLnBrk="1" hangingPunct="1">
+              <a:spcBef>
+                <a:spcPct val="20000"/>
+              </a:spcBef>
+              <a:spcAft>
+                <a:spcPct val="0"/>
+              </a:spcAft>
+              <a:buChar char="»"/>
+              <a:defRPr sz="1600">
+                <a:solidFill>
+                  <a:schemeClr val="tx1"/>
+                </a:solidFill>
+                <a:latin typeface="+mn-lt"/>
+              </a:defRPr>
+            </a:lvl8pPr>
+            <a:lvl9pPr marL="3885746" indent="-228573" algn="l" rtl="0" eaLnBrk="1" fontAlgn="base" latinLnBrk="1" hangingPunct="1">
+              <a:spcBef>
+                <a:spcPct val="20000"/>
+              </a:spcBef>
+              <a:spcAft>
+                <a:spcPct val="0"/>
+              </a:spcAft>
+              <a:buChar char="»"/>
+              <a:defRPr sz="1600">
+                <a:solidFill>
+                  <a:schemeClr val="tx1"/>
+                </a:solidFill>
+                <a:latin typeface="+mn-lt"/>
+              </a:defRPr>
+            </a:lvl9pPr>
+          </a:lstStyle>
+          <a:p>
+            <a:r>
+              <a:rPr lang="en-US" altLang="ko-KR" sz="2000" kern="0" dirty="0"/>
+              <a:t>Use ‘python38’ instead of ‘python3’ on </a:t>
+            </a:r>
+            <a:r>
+              <a:rPr lang="en-US" altLang="ko-KR" sz="2000" kern="0" dirty="0" err="1"/>
+              <a:t>nKSTAR</a:t>
+            </a:r>
+            <a:r>
+              <a:rPr lang="en-US" altLang="ko-KR" sz="2000" kern="0" dirty="0"/>
+              <a:t> or alias python3=‘python38’ in .</a:t>
+            </a:r>
+            <a:r>
+              <a:rPr lang="en-US" altLang="ko-KR" sz="2000" kern="0" dirty="0" err="1"/>
+              <a:t>bash_profile</a:t>
+            </a:r>
+            <a:r>
+              <a:rPr lang="en-US" altLang="ko-KR" sz="2000" kern="0" dirty="0"/>
+              <a:t> </a:t>
+            </a:r>
+          </a:p>
+        </p:txBody>
+      </p:sp>
+      <p:pic>
+        <p:nvPicPr>
+          <p:cNvPr id="14" name="Picture 13">
+            <a:extLst>
+              <a:ext uri="{FF2B5EF4-FFF2-40B4-BE49-F238E27FC236}">
+                <a16:creationId xmlns:a16="http://schemas.microsoft.com/office/drawing/2014/main" id="{6A4ABE15-B939-6869-57C6-503D00C78BCC}"/>
+              </a:ext>
+            </a:extLst>
+          </p:cNvPr>
+          <p:cNvPicPr>
+            <a:picLocks noChangeAspect="1"/>
+          </p:cNvPicPr>
+          <p:nvPr/>
+        </p:nvPicPr>
+        <p:blipFill>
+          <a:blip r:embed="rId4"/>
+          <a:stretch>
+            <a:fillRect/>
+          </a:stretch>
+        </p:blipFill>
+        <p:spPr>
+          <a:xfrm>
+            <a:off x="6384032" y="6006385"/>
+            <a:ext cx="3589586" cy="220414"/>
+          </a:xfrm>
+          <a:prstGeom prst="rect">
+            <a:avLst/>
+          </a:prstGeom>
+        </p:spPr>
+      </p:pic>
+      <p:sp>
+        <p:nvSpPr>
+          <p:cNvPr id="18" name="내용 개체 틀 2">
+            <a:extLst>
+              <a:ext uri="{FF2B5EF4-FFF2-40B4-BE49-F238E27FC236}">
+                <a16:creationId xmlns:a16="http://schemas.microsoft.com/office/drawing/2014/main" id="{AA298F66-AD4F-EDD3-8276-FC3644B7AC4D}"/>
+              </a:ext>
+            </a:extLst>
+          </p:cNvPr>
+          <p:cNvSpPr txBox="1">
+            <a:spLocks/>
+          </p:cNvSpPr>
+          <p:nvPr/>
+        </p:nvSpPr>
+        <p:spPr bwMode="auto">
+          <a:xfrm>
+            <a:off x="239377" y="1052736"/>
+            <a:ext cx="11684000" cy="371911"/>
+          </a:xfrm>
+          <a:prstGeom prst="rect">
+            <a:avLst/>
+          </a:prstGeom>
+          <a:noFill/>
+          <a:ln w="9525">
+            <a:noFill/>
+            <a:miter lim="800000"/>
+            <a:headEnd/>
+            <a:tailEnd/>
+          </a:ln>
+        </p:spPr>
+        <p:txBody>
+          <a:bodyPr vert="horz" wrap="square" lIns="91440" tIns="45720" rIns="91440" bIns="45720" numCol="1" anchor="t" anchorCtr="0" compatLnSpc="1">
+            <a:prstTxWarp prst="textNoShape">
+              <a:avLst/>
+            </a:prstTxWarp>
+          </a:bodyPr>
+          <a:lstStyle>
+            <a:lvl1pPr marL="342900" indent="-342900" algn="l" rtl="0" eaLnBrk="1" fontAlgn="base" latinLnBrk="1" hangingPunct="1">
+              <a:spcBef>
+                <a:spcPct val="20000"/>
+              </a:spcBef>
+              <a:spcAft>
+                <a:spcPct val="0"/>
+              </a:spcAft>
+              <a:buFont typeface="Wingdings" panose="05000000000000000000" pitchFamily="2" charset="2"/>
+              <a:buChar char="§"/>
+              <a:defRPr sz="2800">
+                <a:solidFill>
+                  <a:schemeClr val="tx1"/>
+                </a:solidFill>
+                <a:latin typeface="+mn-lt"/>
+                <a:ea typeface="ＭＳ Ｐゴシック" charset="-128"/>
+                <a:cs typeface="ＭＳ Ｐゴシック" charset="-128"/>
+              </a:defRPr>
+            </a:lvl1pPr>
+            <a:lvl2pPr marL="741363" indent="-284163" algn="l" rtl="0" eaLnBrk="1" fontAlgn="base" latinLnBrk="1" hangingPunct="1">
+              <a:spcBef>
+                <a:spcPct val="20000"/>
+              </a:spcBef>
+              <a:spcAft>
+                <a:spcPct val="0"/>
+              </a:spcAft>
+              <a:buChar char="–"/>
+              <a:defRPr sz="2400">
+                <a:solidFill>
+                  <a:schemeClr val="accent2"/>
+                </a:solidFill>
+                <a:latin typeface="+mn-lt"/>
+                <a:ea typeface="ＭＳ Ｐゴシック" charset="-128"/>
+              </a:defRPr>
+            </a:lvl2pPr>
+            <a:lvl3pPr marL="1141413" indent="-227013" algn="l" rtl="0" eaLnBrk="1" fontAlgn="base" latinLnBrk="1" hangingPunct="1">
+              <a:spcBef>
+                <a:spcPct val="20000"/>
+              </a:spcBef>
+              <a:spcAft>
+                <a:spcPct val="0"/>
+              </a:spcAft>
+              <a:buChar char="•"/>
+              <a:defRPr sz="2400">
+                <a:solidFill>
+                  <a:srgbClr val="FF0000"/>
+                </a:solidFill>
+                <a:latin typeface="+mn-lt"/>
+                <a:ea typeface="ＭＳ Ｐゴシック" charset="-128"/>
+              </a:defRPr>
+            </a:lvl3pPr>
+            <a:lvl4pPr marL="1598613" indent="-227013" algn="l" rtl="0" eaLnBrk="1" fontAlgn="base" latinLnBrk="1" hangingPunct="1">
+              <a:spcBef>
+                <a:spcPct val="20000"/>
+              </a:spcBef>
+              <a:spcAft>
+                <a:spcPct val="0"/>
+              </a:spcAft>
+              <a:buChar char="–"/>
+              <a:defRPr sz="2400">
+                <a:solidFill>
+                  <a:srgbClr val="009999"/>
+                </a:solidFill>
+                <a:latin typeface="+mn-lt"/>
+                <a:ea typeface="ＭＳ Ｐゴシック" charset="-128"/>
+              </a:defRPr>
+            </a:lvl4pPr>
+            <a:lvl5pPr marL="2055813" indent="-227013" algn="l" rtl="0" eaLnBrk="1" fontAlgn="base" latinLnBrk="1" hangingPunct="1">
+              <a:spcBef>
+                <a:spcPct val="20000"/>
+              </a:spcBef>
+              <a:spcAft>
+                <a:spcPct val="0"/>
+              </a:spcAft>
+              <a:buChar char="»"/>
+              <a:defRPr sz="2400">
+                <a:solidFill>
+                  <a:schemeClr val="tx1"/>
+                </a:solidFill>
+                <a:latin typeface="+mn-lt"/>
+                <a:ea typeface="ＭＳ Ｐゴシック" charset="-128"/>
+              </a:defRPr>
+            </a:lvl5pPr>
+            <a:lvl6pPr marL="2514306" indent="-228573" algn="l" rtl="0" eaLnBrk="1" fontAlgn="base" latinLnBrk="1" hangingPunct="1">
+              <a:spcBef>
+                <a:spcPct val="20000"/>
+              </a:spcBef>
+              <a:spcAft>
+                <a:spcPct val="0"/>
+              </a:spcAft>
+              <a:buChar char="»"/>
+              <a:defRPr sz="1600">
+                <a:solidFill>
+                  <a:schemeClr val="tx1"/>
+                </a:solidFill>
+                <a:latin typeface="+mn-lt"/>
+              </a:defRPr>
+            </a:lvl6pPr>
+            <a:lvl7pPr marL="2971453" indent="-228573" algn="l" rtl="0" eaLnBrk="1" fontAlgn="base" latinLnBrk="1" hangingPunct="1">
+              <a:spcBef>
+                <a:spcPct val="20000"/>
+              </a:spcBef>
+              <a:spcAft>
+                <a:spcPct val="0"/>
+              </a:spcAft>
+              <a:buChar char="»"/>
+              <a:defRPr sz="1600">
+                <a:solidFill>
+                  <a:schemeClr val="tx1"/>
+                </a:solidFill>
+                <a:latin typeface="+mn-lt"/>
+              </a:defRPr>
+            </a:lvl7pPr>
+            <a:lvl8pPr marL="3428599" indent="-228573" algn="l" rtl="0" eaLnBrk="1" fontAlgn="base" latinLnBrk="1" hangingPunct="1">
+              <a:spcBef>
+                <a:spcPct val="20000"/>
+              </a:spcBef>
+              <a:spcAft>
+                <a:spcPct val="0"/>
+              </a:spcAft>
+              <a:buChar char="»"/>
+              <a:defRPr sz="1600">
+                <a:solidFill>
+                  <a:schemeClr val="tx1"/>
+                </a:solidFill>
+                <a:latin typeface="+mn-lt"/>
+              </a:defRPr>
+            </a:lvl8pPr>
+            <a:lvl9pPr marL="3885746" indent="-228573" algn="l" rtl="0" eaLnBrk="1" fontAlgn="base" latinLnBrk="1" hangingPunct="1">
+              <a:spcBef>
+                <a:spcPct val="20000"/>
+              </a:spcBef>
+              <a:spcAft>
+                <a:spcPct val="0"/>
+              </a:spcAft>
+              <a:buChar char="»"/>
+              <a:defRPr sz="1600">
+                <a:solidFill>
+                  <a:schemeClr val="tx1"/>
+                </a:solidFill>
+                <a:latin typeface="+mn-lt"/>
+              </a:defRPr>
+            </a:lvl9pPr>
+          </a:lstStyle>
+          <a:p>
+            <a:r>
+              <a:rPr lang="en-US" altLang="ko-KR" sz="2000" kern="0" dirty="0"/>
+              <a:t>Login </a:t>
+            </a:r>
+            <a:r>
+              <a:rPr lang="en-US" altLang="ko-KR" sz="2000" kern="0" dirty="0" err="1"/>
+              <a:t>nKSTAR</a:t>
+            </a:r>
+            <a:r>
+              <a:rPr lang="en-US" altLang="ko-KR" sz="2000" kern="0" dirty="0"/>
+              <a:t> server</a:t>
             </a:r>
           </a:p>
         </p:txBody>
@@ -7030,7 +9492,7 @@
           <a:p>
             <a:r>
               <a:rPr kumimoji="1" lang="en-US" altLang="ko-Kore-KR" dirty="0"/>
-              <a:t>A guideline to play with ‘</a:t>
+              <a:t>How to play with ‘</a:t>
             </a:r>
             <a:r>
               <a:rPr kumimoji="1" lang="en-US" altLang="ko-Kore-KR" dirty="0" err="1"/>
@@ -7102,52 +9564,6 @@
               <a:rPr kumimoji="1" lang="en-US" altLang="ko-Kore-KR" dirty="0"/>
               <a:t>own analysis scripts based on ‘examples’ scripts. </a:t>
             </a:r>
-          </a:p>
-          <a:p>
-            <a:r>
-              <a:rPr lang="en-US" altLang="ko-KR" dirty="0">
-                <a:solidFill>
-                  <a:srgbClr val="FF0000"/>
-                </a:solidFill>
-              </a:rPr>
-              <a:t>[Caution] During the KSTAR campaign, the ECEI storage server is busy archiving the data for about ~3 minutes after the shot finished. </a:t>
-            </a:r>
-            <a:br>
-              <a:rPr lang="en-US" altLang="ko-KR" dirty="0">
-                <a:solidFill>
-                  <a:srgbClr val="FF0000"/>
-                </a:solidFill>
-              </a:rPr>
-            </a:br>
-            <a:r>
-              <a:rPr lang="en-US" altLang="ko-KR" dirty="0">
-                <a:solidFill>
-                  <a:srgbClr val="FF0000"/>
-                </a:solidFill>
-              </a:rPr>
-              <a:t>PLEASE DO NOT access the ECEI data using ‘</a:t>
-            </a:r>
-            <a:r>
-              <a:rPr lang="en-US" altLang="ko-KR" dirty="0" err="1">
-                <a:solidFill>
-                  <a:srgbClr val="FF0000"/>
-                </a:solidFill>
-              </a:rPr>
-              <a:t>fluctana</a:t>
-            </a:r>
-            <a:r>
-              <a:rPr lang="en-US" altLang="ko-KR" dirty="0">
-                <a:solidFill>
-                  <a:srgbClr val="FF0000"/>
-                </a:solidFill>
-              </a:rPr>
-              <a:t>’ during the data archiving period.</a:t>
-            </a:r>
-            <a:endParaRPr lang="ko-KR" altLang="en-US" dirty="0">
-              <a:solidFill>
-                <a:srgbClr val="FF0000"/>
-              </a:solidFill>
-            </a:endParaRPr>
           </a:p>
           <a:p>
             <a:pPr marL="0" indent="0">
@@ -8253,6 +10669,955 @@
 </file>
 
 <file path=ppt/theme/theme3.xml><?xml version="1.0" encoding="utf-8"?>
+<a:theme xmlns:a="http://schemas.openxmlformats.org/drawingml/2006/main" name="ppt_theme">
+  <a:themeElements>
+    <a:clrScheme name="Blank Presentation 1">
+      <a:dk1>
+        <a:srgbClr val="000000"/>
+      </a:dk1>
+      <a:lt1>
+        <a:srgbClr val="FFFFFF"/>
+      </a:lt1>
+      <a:dk2>
+        <a:srgbClr val="000000"/>
+      </a:dk2>
+      <a:lt2>
+        <a:srgbClr val="808080"/>
+      </a:lt2>
+      <a:accent1>
+        <a:srgbClr val="00CC99"/>
+      </a:accent1>
+      <a:accent2>
+        <a:srgbClr val="3333CC"/>
+      </a:accent2>
+      <a:accent3>
+        <a:srgbClr val="FFFFFF"/>
+      </a:accent3>
+      <a:accent4>
+        <a:srgbClr val="000000"/>
+      </a:accent4>
+      <a:accent5>
+        <a:srgbClr val="AAE2CA"/>
+      </a:accent5>
+      <a:accent6>
+        <a:srgbClr val="2D2DB9"/>
+      </a:accent6>
+      <a:hlink>
+        <a:srgbClr val="CCCCFF"/>
+      </a:hlink>
+      <a:folHlink>
+        <a:srgbClr val="B2B2B2"/>
+      </a:folHlink>
+    </a:clrScheme>
+    <a:fontScheme name="Blank Presentation">
+      <a:majorFont>
+        <a:latin typeface="Arial"/>
+        <a:ea typeface=""/>
+        <a:cs typeface=""/>
+      </a:majorFont>
+      <a:minorFont>
+        <a:latin typeface="Arial"/>
+        <a:ea typeface=""/>
+        <a:cs typeface=""/>
+      </a:minorFont>
+    </a:fontScheme>
+    <a:fmtScheme name="Office">
+      <a:fillStyleLst>
+        <a:solidFill>
+          <a:schemeClr val="phClr"/>
+        </a:solidFill>
+        <a:gradFill rotWithShape="1">
+          <a:gsLst>
+            <a:gs pos="0">
+              <a:schemeClr val="phClr">
+                <a:tint val="50000"/>
+                <a:satMod val="300000"/>
+              </a:schemeClr>
+            </a:gs>
+            <a:gs pos="35000">
+              <a:schemeClr val="phClr">
+                <a:tint val="37000"/>
+                <a:satMod val="300000"/>
+              </a:schemeClr>
+            </a:gs>
+            <a:gs pos="100000">
+              <a:schemeClr val="phClr">
+                <a:tint val="15000"/>
+                <a:satMod val="350000"/>
+              </a:schemeClr>
+            </a:gs>
+          </a:gsLst>
+          <a:lin ang="16200000" scaled="1"/>
+        </a:gradFill>
+        <a:gradFill rotWithShape="1">
+          <a:gsLst>
+            <a:gs pos="0">
+              <a:schemeClr val="phClr">
+                <a:shade val="51000"/>
+                <a:satMod val="130000"/>
+              </a:schemeClr>
+            </a:gs>
+            <a:gs pos="80000">
+              <a:schemeClr val="phClr">
+                <a:shade val="93000"/>
+                <a:satMod val="130000"/>
+              </a:schemeClr>
+            </a:gs>
+            <a:gs pos="100000">
+              <a:schemeClr val="phClr">
+                <a:shade val="94000"/>
+                <a:satMod val="135000"/>
+              </a:schemeClr>
+            </a:gs>
+          </a:gsLst>
+          <a:lin ang="16200000" scaled="0"/>
+        </a:gradFill>
+      </a:fillStyleLst>
+      <a:lnStyleLst>
+        <a:ln w="9525" cap="flat" cmpd="sng" algn="ctr">
+          <a:solidFill>
+            <a:schemeClr val="phClr">
+              <a:shade val="95000"/>
+              <a:satMod val="105000"/>
+            </a:schemeClr>
+          </a:solidFill>
+          <a:prstDash val="solid"/>
+        </a:ln>
+        <a:ln w="25400" cap="flat" cmpd="sng" algn="ctr">
+          <a:solidFill>
+            <a:schemeClr val="phClr"/>
+          </a:solidFill>
+          <a:prstDash val="solid"/>
+        </a:ln>
+        <a:ln w="38100" cap="flat" cmpd="sng" algn="ctr">
+          <a:solidFill>
+            <a:schemeClr val="phClr"/>
+          </a:solidFill>
+          <a:prstDash val="solid"/>
+        </a:ln>
+      </a:lnStyleLst>
+      <a:effectStyleLst>
+        <a:effectStyle>
+          <a:effectLst>
+            <a:outerShdw blurRad="40000" dist="20000" dir="5400000" rotWithShape="0">
+              <a:srgbClr val="000000">
+                <a:alpha val="38000"/>
+              </a:srgbClr>
+            </a:outerShdw>
+          </a:effectLst>
+        </a:effectStyle>
+        <a:effectStyle>
+          <a:effectLst>
+            <a:outerShdw blurRad="40000" dist="23000" dir="5400000" rotWithShape="0">
+              <a:srgbClr val="000000">
+                <a:alpha val="35000"/>
+              </a:srgbClr>
+            </a:outerShdw>
+          </a:effectLst>
+        </a:effectStyle>
+        <a:effectStyle>
+          <a:effectLst>
+            <a:outerShdw blurRad="40000" dist="23000" dir="5400000" rotWithShape="0">
+              <a:srgbClr val="000000">
+                <a:alpha val="35000"/>
+              </a:srgbClr>
+            </a:outerShdw>
+          </a:effectLst>
+          <a:scene3d>
+            <a:camera prst="orthographicFront">
+              <a:rot lat="0" lon="0" rev="0"/>
+            </a:camera>
+            <a:lightRig rig="threePt" dir="t">
+              <a:rot lat="0" lon="0" rev="1200000"/>
+            </a:lightRig>
+          </a:scene3d>
+          <a:sp3d>
+            <a:bevelT w="63500" h="25400"/>
+          </a:sp3d>
+        </a:effectStyle>
+      </a:effectStyleLst>
+      <a:bgFillStyleLst>
+        <a:solidFill>
+          <a:schemeClr val="phClr"/>
+        </a:solidFill>
+        <a:gradFill rotWithShape="1">
+          <a:gsLst>
+            <a:gs pos="0">
+              <a:schemeClr val="phClr">
+                <a:tint val="40000"/>
+                <a:satMod val="350000"/>
+              </a:schemeClr>
+            </a:gs>
+            <a:gs pos="40000">
+              <a:schemeClr val="phClr">
+                <a:tint val="45000"/>
+                <a:shade val="99000"/>
+                <a:satMod val="350000"/>
+              </a:schemeClr>
+            </a:gs>
+            <a:gs pos="100000">
+              <a:schemeClr val="phClr">
+                <a:shade val="20000"/>
+                <a:satMod val="255000"/>
+              </a:schemeClr>
+            </a:gs>
+          </a:gsLst>
+          <a:path path="circle">
+            <a:fillToRect l="50000" t="-80000" r="50000" b="180000"/>
+          </a:path>
+        </a:gradFill>
+        <a:gradFill rotWithShape="1">
+          <a:gsLst>
+            <a:gs pos="0">
+              <a:schemeClr val="phClr">
+                <a:tint val="80000"/>
+                <a:satMod val="300000"/>
+              </a:schemeClr>
+            </a:gs>
+            <a:gs pos="100000">
+              <a:schemeClr val="phClr">
+                <a:shade val="30000"/>
+                <a:satMod val="200000"/>
+              </a:schemeClr>
+            </a:gs>
+          </a:gsLst>
+          <a:path path="circle">
+            <a:fillToRect l="50000" t="50000" r="50000" b="50000"/>
+          </a:path>
+        </a:gradFill>
+      </a:bgFillStyleLst>
+    </a:fmtScheme>
+  </a:themeElements>
+  <a:objectDefaults>
+    <a:spDef>
+      <a:spPr bwMode="auto">
+        <a:xfrm>
+          <a:off x="0" y="0"/>
+          <a:ext cx="1" cy="1"/>
+        </a:xfrm>
+        <a:custGeom>
+          <a:avLst/>
+          <a:gdLst/>
+          <a:ahLst/>
+          <a:cxnLst/>
+          <a:rect l="0" t="0" r="0" b="0"/>
+          <a:pathLst/>
+        </a:custGeom>
+        <a:noFill/>
+        <a:ln w="15875" cap="flat" cmpd="sng" algn="ctr">
+          <a:solidFill>
+            <a:schemeClr val="tx1"/>
+          </a:solidFill>
+          <a:prstDash val="solid"/>
+          <a:round/>
+          <a:headEnd type="none" w="med" len="med"/>
+          <a:tailEnd type="triangle" w="med" len="med"/>
+        </a:ln>
+        <a:effectLst/>
+      </a:spPr>
+      <a:bodyPr vert="horz" wrap="square" lIns="0" tIns="0" rIns="0" bIns="0" numCol="1" anchor="t" anchorCtr="0" compatLnSpc="1">
+        <a:prstTxWarp prst="textNoShape">
+          <a:avLst/>
+        </a:prstTxWarp>
+      </a:bodyPr>
+      <a:lstStyle>
+        <a:defPPr marL="0" marR="0" indent="0" algn="l" defTabSz="914400" rtl="0" eaLnBrk="1" fontAlgn="base" latinLnBrk="0" hangingPunct="1">
+          <a:lnSpc>
+            <a:spcPct val="100000"/>
+          </a:lnSpc>
+          <a:spcBef>
+            <a:spcPct val="20000"/>
+          </a:spcBef>
+          <a:spcAft>
+            <a:spcPct val="0"/>
+          </a:spcAft>
+          <a:buClrTx/>
+          <a:buSzTx/>
+          <a:buFontTx/>
+          <a:buChar char="•"/>
+          <a:tabLst/>
+          <a:defRPr kumimoji="0" lang="en-US" sz="1200" b="1" i="1" u="none" strike="noStrike" cap="none" normalizeH="0" baseline="0" smtClean="0">
+            <a:ln>
+              <a:noFill/>
+            </a:ln>
+            <a:solidFill>
+              <a:srgbClr val="1822CD"/>
+            </a:solidFill>
+            <a:effectLst/>
+            <a:latin typeface="Helvetica" pitchFamily="-128" charset="0"/>
+          </a:defRPr>
+        </a:defPPr>
+      </a:lstStyle>
+    </a:spDef>
+    <a:lnDef>
+      <a:spPr bwMode="auto">
+        <a:xfrm>
+          <a:off x="0" y="0"/>
+          <a:ext cx="1" cy="1"/>
+        </a:xfrm>
+        <a:custGeom>
+          <a:avLst/>
+          <a:gdLst/>
+          <a:ahLst/>
+          <a:cxnLst/>
+          <a:rect l="0" t="0" r="0" b="0"/>
+          <a:pathLst/>
+        </a:custGeom>
+        <a:noFill/>
+        <a:ln w="15875" cap="flat" cmpd="sng" algn="ctr">
+          <a:solidFill>
+            <a:schemeClr val="tx1"/>
+          </a:solidFill>
+          <a:prstDash val="solid"/>
+          <a:round/>
+          <a:headEnd type="none" w="med" len="med"/>
+          <a:tailEnd type="triangle" w="med" len="med"/>
+        </a:ln>
+        <a:effectLst/>
+      </a:spPr>
+      <a:bodyPr vert="horz" wrap="square" lIns="0" tIns="0" rIns="0" bIns="0" numCol="1" anchor="t" anchorCtr="0" compatLnSpc="1">
+        <a:prstTxWarp prst="textNoShape">
+          <a:avLst/>
+        </a:prstTxWarp>
+      </a:bodyPr>
+      <a:lstStyle>
+        <a:defPPr marL="0" marR="0" indent="0" algn="l" defTabSz="914400" rtl="0" eaLnBrk="1" fontAlgn="base" latinLnBrk="0" hangingPunct="1">
+          <a:lnSpc>
+            <a:spcPct val="100000"/>
+          </a:lnSpc>
+          <a:spcBef>
+            <a:spcPct val="20000"/>
+          </a:spcBef>
+          <a:spcAft>
+            <a:spcPct val="0"/>
+          </a:spcAft>
+          <a:buClrTx/>
+          <a:buSzTx/>
+          <a:buFontTx/>
+          <a:buChar char="•"/>
+          <a:tabLst/>
+          <a:defRPr kumimoji="0" lang="en-US" sz="1200" b="1" i="1" u="none" strike="noStrike" cap="none" normalizeH="0" baseline="0" smtClean="0">
+            <a:ln>
+              <a:noFill/>
+            </a:ln>
+            <a:solidFill>
+              <a:srgbClr val="1822CD"/>
+            </a:solidFill>
+            <a:effectLst/>
+            <a:latin typeface="Helvetica" pitchFamily="-128" charset="0"/>
+          </a:defRPr>
+        </a:defPPr>
+      </a:lstStyle>
+    </a:lnDef>
+    <a:txDef>
+      <a:spPr>
+        <a:noFill/>
+      </a:spPr>
+      <a:bodyPr wrap="none" rtlCol="0">
+        <a:spAutoFit/>
+      </a:bodyPr>
+      <a:lstStyle>
+        <a:defPPr algn="l">
+          <a:defRPr kumimoji="1" dirty="0" err="1" smtClean="0">
+            <a:latin typeface="Helvetica Light" panose="020B0403020202020204" pitchFamily="34" charset="0"/>
+          </a:defRPr>
+        </a:defPPr>
+      </a:lstStyle>
+    </a:txDef>
+  </a:objectDefaults>
+  <a:extraClrSchemeLst>
+    <a:extraClrScheme>
+      <a:clrScheme name="Blank Presentation 1">
+        <a:dk1>
+          <a:srgbClr val="000000"/>
+        </a:dk1>
+        <a:lt1>
+          <a:srgbClr val="FFFFFF"/>
+        </a:lt1>
+        <a:dk2>
+          <a:srgbClr val="000000"/>
+        </a:dk2>
+        <a:lt2>
+          <a:srgbClr val="808080"/>
+        </a:lt2>
+        <a:accent1>
+          <a:srgbClr val="00CC99"/>
+        </a:accent1>
+        <a:accent2>
+          <a:srgbClr val="3333CC"/>
+        </a:accent2>
+        <a:accent3>
+          <a:srgbClr val="FFFFFF"/>
+        </a:accent3>
+        <a:accent4>
+          <a:srgbClr val="000000"/>
+        </a:accent4>
+        <a:accent5>
+          <a:srgbClr val="AAE2CA"/>
+        </a:accent5>
+        <a:accent6>
+          <a:srgbClr val="2D2DB9"/>
+        </a:accent6>
+        <a:hlink>
+          <a:srgbClr val="CCCCFF"/>
+        </a:hlink>
+        <a:folHlink>
+          <a:srgbClr val="B2B2B2"/>
+        </a:folHlink>
+      </a:clrScheme>
+      <a:clrMap bg1="lt1" tx1="dk1" bg2="lt2" tx2="dk2" accent1="accent1" accent2="accent2" accent3="accent3" accent4="accent4" accent5="accent5" accent6="accent6" hlink="hlink" folHlink="folHlink"/>
+    </a:extraClrScheme>
+    <a:extraClrScheme>
+      <a:clrScheme name="Blank Presentation 2">
+        <a:dk1>
+          <a:srgbClr val="000000"/>
+        </a:dk1>
+        <a:lt1>
+          <a:srgbClr val="FFFFFF"/>
+        </a:lt1>
+        <a:dk2>
+          <a:srgbClr val="0000FF"/>
+        </a:dk2>
+        <a:lt2>
+          <a:srgbClr val="FFFF00"/>
+        </a:lt2>
+        <a:accent1>
+          <a:srgbClr val="FF9900"/>
+        </a:accent1>
+        <a:accent2>
+          <a:srgbClr val="00FFFF"/>
+        </a:accent2>
+        <a:accent3>
+          <a:srgbClr val="AAAAFF"/>
+        </a:accent3>
+        <a:accent4>
+          <a:srgbClr val="DADADA"/>
+        </a:accent4>
+        <a:accent5>
+          <a:srgbClr val="FFCAAA"/>
+        </a:accent5>
+        <a:accent6>
+          <a:srgbClr val="00E7E7"/>
+        </a:accent6>
+        <a:hlink>
+          <a:srgbClr val="FF0000"/>
+        </a:hlink>
+        <a:folHlink>
+          <a:srgbClr val="969696"/>
+        </a:folHlink>
+      </a:clrScheme>
+      <a:clrMap bg1="dk2" tx1="lt1" bg2="dk1" tx2="lt2" accent1="accent1" accent2="accent2" accent3="accent3" accent4="accent4" accent5="accent5" accent6="accent6" hlink="hlink" folHlink="folHlink"/>
+    </a:extraClrScheme>
+    <a:extraClrScheme>
+      <a:clrScheme name="Blank Presentation 3">
+        <a:dk1>
+          <a:srgbClr val="000000"/>
+        </a:dk1>
+        <a:lt1>
+          <a:srgbClr val="FFFFCC"/>
+        </a:lt1>
+        <a:dk2>
+          <a:srgbClr val="808000"/>
+        </a:dk2>
+        <a:lt2>
+          <a:srgbClr val="666633"/>
+        </a:lt2>
+        <a:accent1>
+          <a:srgbClr val="339933"/>
+        </a:accent1>
+        <a:accent2>
+          <a:srgbClr val="800000"/>
+        </a:accent2>
+        <a:accent3>
+          <a:srgbClr val="FFFFE2"/>
+        </a:accent3>
+        <a:accent4>
+          <a:srgbClr val="000000"/>
+        </a:accent4>
+        <a:accent5>
+          <a:srgbClr val="ADCAAD"/>
+        </a:accent5>
+        <a:accent6>
+          <a:srgbClr val="730000"/>
+        </a:accent6>
+        <a:hlink>
+          <a:srgbClr val="0033CC"/>
+        </a:hlink>
+        <a:folHlink>
+          <a:srgbClr val="FFCC66"/>
+        </a:folHlink>
+      </a:clrScheme>
+      <a:clrMap bg1="lt1" tx1="dk1" bg2="lt2" tx2="dk2" accent1="accent1" accent2="accent2" accent3="accent3" accent4="accent4" accent5="accent5" accent6="accent6" hlink="hlink" folHlink="folHlink"/>
+    </a:extraClrScheme>
+    <a:extraClrScheme>
+      <a:clrScheme name="Blank Presentation 4">
+        <a:dk1>
+          <a:srgbClr val="000000"/>
+        </a:dk1>
+        <a:lt1>
+          <a:srgbClr val="FFFFFF"/>
+        </a:lt1>
+        <a:dk2>
+          <a:srgbClr val="000000"/>
+        </a:dk2>
+        <a:lt2>
+          <a:srgbClr val="333333"/>
+        </a:lt2>
+        <a:accent1>
+          <a:srgbClr val="DDDDDD"/>
+        </a:accent1>
+        <a:accent2>
+          <a:srgbClr val="808080"/>
+        </a:accent2>
+        <a:accent3>
+          <a:srgbClr val="FFFFFF"/>
+        </a:accent3>
+        <a:accent4>
+          <a:srgbClr val="000000"/>
+        </a:accent4>
+        <a:accent5>
+          <a:srgbClr val="EBEBEB"/>
+        </a:accent5>
+        <a:accent6>
+          <a:srgbClr val="737373"/>
+        </a:accent6>
+        <a:hlink>
+          <a:srgbClr val="4D4D4D"/>
+        </a:hlink>
+        <a:folHlink>
+          <a:srgbClr val="EAEAEA"/>
+        </a:folHlink>
+      </a:clrScheme>
+      <a:clrMap bg1="lt1" tx1="dk1" bg2="lt2" tx2="dk2" accent1="accent1" accent2="accent2" accent3="accent3" accent4="accent4" accent5="accent5" accent6="accent6" hlink="hlink" folHlink="folHlink"/>
+    </a:extraClrScheme>
+    <a:extraClrScheme>
+      <a:clrScheme name="Blank Presentation 5">
+        <a:dk1>
+          <a:srgbClr val="000000"/>
+        </a:dk1>
+        <a:lt1>
+          <a:srgbClr val="FFFFFF"/>
+        </a:lt1>
+        <a:dk2>
+          <a:srgbClr val="000000"/>
+        </a:dk2>
+        <a:lt2>
+          <a:srgbClr val="808080"/>
+        </a:lt2>
+        <a:accent1>
+          <a:srgbClr val="FFCC66"/>
+        </a:accent1>
+        <a:accent2>
+          <a:srgbClr val="0000FF"/>
+        </a:accent2>
+        <a:accent3>
+          <a:srgbClr val="FFFFFF"/>
+        </a:accent3>
+        <a:accent4>
+          <a:srgbClr val="000000"/>
+        </a:accent4>
+        <a:accent5>
+          <a:srgbClr val="FFE2B8"/>
+        </a:accent5>
+        <a:accent6>
+          <a:srgbClr val="0000E7"/>
+        </a:accent6>
+        <a:hlink>
+          <a:srgbClr val="CC00CC"/>
+        </a:hlink>
+        <a:folHlink>
+          <a:srgbClr val="C0C0C0"/>
+        </a:folHlink>
+      </a:clrScheme>
+      <a:clrMap bg1="lt1" tx1="dk1" bg2="lt2" tx2="dk2" accent1="accent1" accent2="accent2" accent3="accent3" accent4="accent4" accent5="accent5" accent6="accent6" hlink="hlink" folHlink="folHlink"/>
+    </a:extraClrScheme>
+    <a:extraClrScheme>
+      <a:clrScheme name="Blank Presentation 6">
+        <a:dk1>
+          <a:srgbClr val="000000"/>
+        </a:dk1>
+        <a:lt1>
+          <a:srgbClr val="FFFFFF"/>
+        </a:lt1>
+        <a:dk2>
+          <a:srgbClr val="000000"/>
+        </a:dk2>
+        <a:lt2>
+          <a:srgbClr val="808080"/>
+        </a:lt2>
+        <a:accent1>
+          <a:srgbClr val="C0C0C0"/>
+        </a:accent1>
+        <a:accent2>
+          <a:srgbClr val="0066FF"/>
+        </a:accent2>
+        <a:accent3>
+          <a:srgbClr val="FFFFFF"/>
+        </a:accent3>
+        <a:accent4>
+          <a:srgbClr val="000000"/>
+        </a:accent4>
+        <a:accent5>
+          <a:srgbClr val="DCDCDC"/>
+        </a:accent5>
+        <a:accent6>
+          <a:srgbClr val="005CE7"/>
+        </a:accent6>
+        <a:hlink>
+          <a:srgbClr val="FF0000"/>
+        </a:hlink>
+        <a:folHlink>
+          <a:srgbClr val="009900"/>
+        </a:folHlink>
+      </a:clrScheme>
+      <a:clrMap bg1="lt1" tx1="dk1" bg2="lt2" tx2="dk2" accent1="accent1" accent2="accent2" accent3="accent3" accent4="accent4" accent5="accent5" accent6="accent6" hlink="hlink" folHlink="folHlink"/>
+    </a:extraClrScheme>
+    <a:extraClrScheme>
+      <a:clrScheme name="Blank Presentation 7">
+        <a:dk1>
+          <a:srgbClr val="000000"/>
+        </a:dk1>
+        <a:lt1>
+          <a:srgbClr val="FFFFFF"/>
+        </a:lt1>
+        <a:dk2>
+          <a:srgbClr val="000000"/>
+        </a:dk2>
+        <a:lt2>
+          <a:srgbClr val="808080"/>
+        </a:lt2>
+        <a:accent1>
+          <a:srgbClr val="3399FF"/>
+        </a:accent1>
+        <a:accent2>
+          <a:srgbClr val="99FFCC"/>
+        </a:accent2>
+        <a:accent3>
+          <a:srgbClr val="FFFFFF"/>
+        </a:accent3>
+        <a:accent4>
+          <a:srgbClr val="000000"/>
+        </a:accent4>
+        <a:accent5>
+          <a:srgbClr val="ADCAFF"/>
+        </a:accent5>
+        <a:accent6>
+          <a:srgbClr val="8AE7B9"/>
+        </a:accent6>
+        <a:hlink>
+          <a:srgbClr val="CC00CC"/>
+        </a:hlink>
+        <a:folHlink>
+          <a:srgbClr val="B2B2B2"/>
+        </a:folHlink>
+      </a:clrScheme>
+      <a:clrMap bg1="lt1" tx1="dk1" bg2="lt2" tx2="dk2" accent1="accent1" accent2="accent2" accent3="accent3" accent4="accent4" accent5="accent5" accent6="accent6" hlink="hlink" folHlink="folHlink"/>
+    </a:extraClrScheme>
+  </a:extraClrSchemeLst>
+  <a:extLst>
+    <a:ext uri="{05A4C25C-085E-4340-85A3-A5531E510DB2}">
+      <thm15:themeFamily xmlns:thm15="http://schemas.microsoft.com/office/thememl/2012/main" name="ppt_theme" id="{0AA1C5DD-E90A-6C4F-9DE6-02AACA2DB3E8}" vid="{4C0EC17A-1CAC-3A49-B5F6-03E07A1AE683}"/>
+    </a:ext>
+  </a:extLst>
+</a:theme>
+</file>
+
+<file path=ppt/theme/theme4.xml><?xml version="1.0" encoding="utf-8"?>
+<a:theme xmlns:a="http://schemas.openxmlformats.org/drawingml/2006/main" name="1_디자인 사용자 지정">
+  <a:themeElements>
+    <a:clrScheme name="Office">
+      <a:dk1>
+        <a:sysClr val="windowText" lastClr="000000"/>
+      </a:dk1>
+      <a:lt1>
+        <a:sysClr val="window" lastClr="FFFFFF"/>
+      </a:lt1>
+      <a:dk2>
+        <a:srgbClr val="44546A"/>
+      </a:dk2>
+      <a:lt2>
+        <a:srgbClr val="E7E6E6"/>
+      </a:lt2>
+      <a:accent1>
+        <a:srgbClr val="4472C4"/>
+      </a:accent1>
+      <a:accent2>
+        <a:srgbClr val="ED7D31"/>
+      </a:accent2>
+      <a:accent3>
+        <a:srgbClr val="A5A5A5"/>
+      </a:accent3>
+      <a:accent4>
+        <a:srgbClr val="FFC000"/>
+      </a:accent4>
+      <a:accent5>
+        <a:srgbClr val="5B9BD5"/>
+      </a:accent5>
+      <a:accent6>
+        <a:srgbClr val="70AD47"/>
+      </a:accent6>
+      <a:hlink>
+        <a:srgbClr val="0563C1"/>
+      </a:hlink>
+      <a:folHlink>
+        <a:srgbClr val="954F72"/>
+      </a:folHlink>
+    </a:clrScheme>
+    <a:fontScheme name="Office">
+      <a:majorFont>
+        <a:latin typeface="Calibri Light" panose="020F0302020204030204"/>
+        <a:ea typeface=""/>
+        <a:cs typeface=""/>
+        <a:font script="Jpan" typeface="游ゴシック Light"/>
+        <a:font script="Hang" typeface="맑은 고딕"/>
+        <a:font script="Hans" typeface="等线 Light"/>
+        <a:font script="Hant" typeface="新細明體"/>
+        <a:font script="Arab" typeface="Times New Roman"/>
+        <a:font script="Hebr" typeface="Times New Roman"/>
+        <a:font script="Thai" typeface="Angsana New"/>
+        <a:font script="Ethi" typeface="Nyala"/>
+        <a:font script="Beng" typeface="Vrinda"/>
+        <a:font script="Gujr" typeface="Shruti"/>
+        <a:font script="Khmr" typeface="MoolBoran"/>
+        <a:font script="Knda" typeface="Tunga"/>
+        <a:font script="Guru" typeface="Raavi"/>
+        <a:font script="Cans" typeface="Euphemia"/>
+        <a:font script="Cher" typeface="Plantagenet Cherokee"/>
+        <a:font script="Yiii" typeface="Microsoft Yi Baiti"/>
+        <a:font script="Tibt" typeface="Microsoft Himalaya"/>
+        <a:font script="Thaa" typeface="MV Boli"/>
+        <a:font script="Deva" typeface="Mangal"/>
+        <a:font script="Telu" typeface="Gautami"/>
+        <a:font script="Taml" typeface="Latha"/>
+        <a:font script="Syrc" typeface="Estrangelo Edessa"/>
+        <a:font script="Orya" typeface="Kalinga"/>
+        <a:font script="Mlym" typeface="Kartika"/>
+        <a:font script="Laoo" typeface="DokChampa"/>
+        <a:font script="Sinh" typeface="Iskoola Pota"/>
+        <a:font script="Mong" typeface="Mongolian Baiti"/>
+        <a:font script="Viet" typeface="Times New Roman"/>
+        <a:font script="Uigh" typeface="Microsoft Uighur"/>
+        <a:font script="Geor" typeface="Sylfaen"/>
+        <a:font script="Armn" typeface="Arial"/>
+        <a:font script="Bugi" typeface="Leelawadee UI"/>
+        <a:font script="Bopo" typeface="Microsoft JhengHei"/>
+        <a:font script="Java" typeface="Javanese Text"/>
+        <a:font script="Lisu" typeface="Segoe UI"/>
+        <a:font script="Mymr" typeface="Myanmar Text"/>
+        <a:font script="Nkoo" typeface="Ebrima"/>
+        <a:font script="Olck" typeface="Nirmala UI"/>
+        <a:font script="Osma" typeface="Ebrima"/>
+        <a:font script="Phag" typeface="Phagspa"/>
+        <a:font script="Syrn" typeface="Estrangelo Edessa"/>
+        <a:font script="Syrj" typeface="Estrangelo Edessa"/>
+        <a:font script="Syre" typeface="Estrangelo Edessa"/>
+        <a:font script="Sora" typeface="Nirmala UI"/>
+        <a:font script="Tale" typeface="Microsoft Tai Le"/>
+        <a:font script="Talu" typeface="Microsoft New Tai Lue"/>
+        <a:font script="Tfng" typeface="Ebrima"/>
+      </a:majorFont>
+      <a:minorFont>
+        <a:latin typeface="Calibri" panose="020F0502020204030204"/>
+        <a:ea typeface=""/>
+        <a:cs typeface=""/>
+        <a:font script="Jpan" typeface="游ゴシック"/>
+        <a:font script="Hang" typeface="맑은 고딕"/>
+        <a:font script="Hans" typeface="等线"/>
+        <a:font script="Hant" typeface="新細明體"/>
+        <a:font script="Arab" typeface="Arial"/>
+        <a:font script="Hebr" typeface="Arial"/>
+        <a:font script="Thai" typeface="Cordia New"/>
+        <a:font script="Ethi" typeface="Nyala"/>
+        <a:font script="Beng" typeface="Vrinda"/>
+        <a:font script="Gujr" typeface="Shruti"/>
+        <a:font script="Khmr" typeface="DaunPenh"/>
+        <a:font script="Knda" typeface="Tunga"/>
+        <a:font script="Guru" typeface="Raavi"/>
+        <a:font script="Cans" typeface="Euphemia"/>
+        <a:font script="Cher" typeface="Plantagenet Cherokee"/>
+        <a:font script="Yiii" typeface="Microsoft Yi Baiti"/>
+        <a:font script="Tibt" typeface="Microsoft Himalaya"/>
+        <a:font script="Thaa" typeface="MV Boli"/>
+        <a:font script="Deva" typeface="Mangal"/>
+        <a:font script="Telu" typeface="Gautami"/>
+        <a:font script="Taml" typeface="Latha"/>
+        <a:font script="Syrc" typeface="Estrangelo Edessa"/>
+        <a:font script="Orya" typeface="Kalinga"/>
+        <a:font script="Mlym" typeface="Kartika"/>
+        <a:font script="Laoo" typeface="DokChampa"/>
+        <a:font script="Sinh" typeface="Iskoola Pota"/>
+        <a:font script="Mong" typeface="Mongolian Baiti"/>
+        <a:font script="Viet" typeface="Arial"/>
+        <a:font script="Uigh" typeface="Microsoft Uighur"/>
+        <a:font script="Geor" typeface="Sylfaen"/>
+        <a:font script="Armn" typeface="Arial"/>
+        <a:font script="Bugi" typeface="Leelawadee UI"/>
+        <a:font script="Bopo" typeface="Microsoft JhengHei"/>
+        <a:font script="Java" typeface="Javanese Text"/>
+        <a:font script="Lisu" typeface="Segoe UI"/>
+        <a:font script="Mymr" typeface="Myanmar Text"/>
+        <a:font script="Nkoo" typeface="Ebrima"/>
+        <a:font script="Olck" typeface="Nirmala UI"/>
+        <a:font script="Osma" typeface="Ebrima"/>
+        <a:font script="Phag" typeface="Phagspa"/>
+        <a:font script="Syrn" typeface="Estrangelo Edessa"/>
+        <a:font script="Syrj" typeface="Estrangelo Edessa"/>
+        <a:font script="Syre" typeface="Estrangelo Edessa"/>
+        <a:font script="Sora" typeface="Nirmala UI"/>
+        <a:font script="Tale" typeface="Microsoft Tai Le"/>
+        <a:font script="Talu" typeface="Microsoft New Tai Lue"/>
+        <a:font script="Tfng" typeface="Ebrima"/>
+      </a:minorFont>
+    </a:fontScheme>
+    <a:fmtScheme name="Office">
+      <a:fillStyleLst>
+        <a:solidFill>
+          <a:schemeClr val="phClr"/>
+        </a:solidFill>
+        <a:gradFill rotWithShape="1">
+          <a:gsLst>
+            <a:gs pos="0">
+              <a:schemeClr val="phClr">
+                <a:lumMod val="110000"/>
+                <a:satMod val="105000"/>
+                <a:tint val="67000"/>
+              </a:schemeClr>
+            </a:gs>
+            <a:gs pos="50000">
+              <a:schemeClr val="phClr">
+                <a:lumMod val="105000"/>
+                <a:satMod val="103000"/>
+                <a:tint val="73000"/>
+              </a:schemeClr>
+            </a:gs>
+            <a:gs pos="100000">
+              <a:schemeClr val="phClr">
+                <a:lumMod val="105000"/>
+                <a:satMod val="109000"/>
+                <a:tint val="81000"/>
+              </a:schemeClr>
+            </a:gs>
+          </a:gsLst>
+          <a:lin ang="5400000" scaled="0"/>
+        </a:gradFill>
+        <a:gradFill rotWithShape="1">
+          <a:gsLst>
+            <a:gs pos="0">
+              <a:schemeClr val="phClr">
+                <a:satMod val="103000"/>
+                <a:lumMod val="102000"/>
+                <a:tint val="94000"/>
+              </a:schemeClr>
+            </a:gs>
+            <a:gs pos="50000">
+              <a:schemeClr val="phClr">
+                <a:satMod val="110000"/>
+                <a:lumMod val="100000"/>
+                <a:shade val="100000"/>
+              </a:schemeClr>
+            </a:gs>
+            <a:gs pos="100000">
+              <a:schemeClr val="phClr">
+                <a:lumMod val="99000"/>
+                <a:satMod val="120000"/>
+                <a:shade val="78000"/>
+              </a:schemeClr>
+            </a:gs>
+          </a:gsLst>
+          <a:lin ang="5400000" scaled="0"/>
+        </a:gradFill>
+      </a:fillStyleLst>
+      <a:lnStyleLst>
+        <a:ln w="6350" cap="flat" cmpd="sng" algn="ctr">
+          <a:solidFill>
+            <a:schemeClr val="phClr"/>
+          </a:solidFill>
+          <a:prstDash val="solid"/>
+          <a:miter lim="800000"/>
+        </a:ln>
+        <a:ln w="12700" cap="flat" cmpd="sng" algn="ctr">
+          <a:solidFill>
+            <a:schemeClr val="phClr"/>
+          </a:solidFill>
+          <a:prstDash val="solid"/>
+          <a:miter lim="800000"/>
+        </a:ln>
+        <a:ln w="19050" cap="flat" cmpd="sng" algn="ctr">
+          <a:solidFill>
+            <a:schemeClr val="phClr"/>
+          </a:solidFill>
+          <a:prstDash val="solid"/>
+          <a:miter lim="800000"/>
+        </a:ln>
+      </a:lnStyleLst>
+      <a:effectStyleLst>
+        <a:effectStyle>
+          <a:effectLst/>
+        </a:effectStyle>
+        <a:effectStyle>
+          <a:effectLst/>
+        </a:effectStyle>
+        <a:effectStyle>
+          <a:effectLst>
+            <a:outerShdw blurRad="57150" dist="19050" dir="5400000" algn="ctr" rotWithShape="0">
+              <a:srgbClr val="000000">
+                <a:alpha val="63000"/>
+              </a:srgbClr>
+            </a:outerShdw>
+          </a:effectLst>
+        </a:effectStyle>
+      </a:effectStyleLst>
+      <a:bgFillStyleLst>
+        <a:solidFill>
+          <a:schemeClr val="phClr"/>
+        </a:solidFill>
+        <a:solidFill>
+          <a:schemeClr val="phClr">
+            <a:tint val="95000"/>
+            <a:satMod val="170000"/>
+          </a:schemeClr>
+        </a:solidFill>
+        <a:gradFill rotWithShape="1">
+          <a:gsLst>
+            <a:gs pos="0">
+              <a:schemeClr val="phClr">
+                <a:tint val="93000"/>
+                <a:satMod val="150000"/>
+                <a:shade val="98000"/>
+                <a:lumMod val="102000"/>
+              </a:schemeClr>
+            </a:gs>
+            <a:gs pos="50000">
+              <a:schemeClr val="phClr">
+                <a:tint val="98000"/>
+                <a:satMod val="130000"/>
+                <a:shade val="90000"/>
+                <a:lumMod val="103000"/>
+              </a:schemeClr>
+            </a:gs>
+            <a:gs pos="100000">
+              <a:schemeClr val="phClr">
+                <a:shade val="63000"/>
+                <a:satMod val="120000"/>
+              </a:schemeClr>
+            </a:gs>
+          </a:gsLst>
+          <a:lin ang="5400000" scaled="0"/>
+        </a:gradFill>
+      </a:bgFillStyleLst>
+    </a:fmtScheme>
+  </a:themeElements>
+  <a:objectDefaults/>
+  <a:extraClrSchemeLst/>
+  <a:extLst>
+    <a:ext uri="{05A4C25C-085E-4340-85A3-A5531E510DB2}">
+      <thm15:themeFamily xmlns:thm15="http://schemas.microsoft.com/office/thememl/2012/main" name="Office Theme" id="{62F939B6-93AF-4DB8-9C6B-D6C7DFDC589F}" vid="{4A3C46E8-61CC-4603-A589-7422A47A8E4A}"/>
+    </a:ext>
+  </a:extLst>
+</a:theme>
+</file>
+
+<file path=ppt/theme/theme5.xml><?xml version="1.0" encoding="utf-8"?>
 <a:theme xmlns:a="http://schemas.openxmlformats.org/drawingml/2006/main" name="Office 테마">
   <a:themeElements>
     <a:clrScheme name="Office">
@@ -8535,7 +11900,7 @@
 </a:theme>
 </file>
 
-<file path=ppt/theme/theme4.xml><?xml version="1.0" encoding="utf-8"?>
+<file path=ppt/theme/theme6.xml><?xml version="1.0" encoding="utf-8"?>
 <a:theme xmlns:a="http://schemas.openxmlformats.org/drawingml/2006/main" name="Office 테마">
   <a:themeElements>
     <a:clrScheme name="Office">

--- a/docs/basic_instruction.pptx
+++ b/docs/basic_instruction.pptx
@@ -232,7 +232,7 @@
             <a:fld id="{CBB9F822-20A6-4077-B37E-B4DCADC64AF5}" type="datetimeFigureOut">
               <a:rPr lang="ko-KR" altLang="en-US" smtClean="0"/>
               <a:pPr/>
-              <a:t>2024. 12. 20.</a:t>
+              <a:t>2026-01-03</a:t>
             </a:fld>
             <a:endParaRPr lang="ko-KR" altLang="en-US"/>
           </a:p>
@@ -399,7 +399,7 @@
             <a:fld id="{E0DFD4FD-58B1-4829-8BDD-B87221FB7E76}" type="datetimeFigureOut">
               <a:rPr lang="ko-KR" altLang="en-US" smtClean="0"/>
               <a:pPr/>
-              <a:t>2024. 12. 20.</a:t>
+              <a:t>2026-01-03</a:t>
             </a:fld>
             <a:endParaRPr lang="ko-KR" altLang="en-US"/>
           </a:p>
@@ -7999,6 +7999,70 @@
           </a:p>
         </p:txBody>
       </p:sp>
+      <p:sp>
+        <p:nvSpPr>
+          <p:cNvPr id="3" name="TextBox 2">
+            <a:extLst>
+              <a:ext uri="{FF2B5EF4-FFF2-40B4-BE49-F238E27FC236}">
+                <a16:creationId xmlns:a16="http://schemas.microsoft.com/office/drawing/2014/main" id="{3CB21D19-1479-4DCA-87E1-7AD8AADCCFDD}"/>
+              </a:ext>
+            </a:extLst>
+          </p:cNvPr>
+          <p:cNvSpPr txBox="1"/>
+          <p:nvPr/>
+        </p:nvSpPr>
+        <p:spPr>
+          <a:xfrm>
+            <a:off x="6496312" y="3008264"/>
+            <a:ext cx="5288320" cy="646331"/>
+          </a:xfrm>
+          <a:prstGeom prst="rect">
+            <a:avLst/>
+          </a:prstGeom>
+          <a:noFill/>
+        </p:spPr>
+        <p:txBody>
+          <a:bodyPr wrap="square" rtlCol="0">
+            <a:spAutoFit/>
+          </a:bodyPr>
+          <a:lstStyle/>
+          <a:p>
+            <a:pPr algn="l"/>
+            <a:r>
+              <a:rPr kumimoji="1" lang="en-US" altLang="ko-KR" b="1" dirty="0">
+                <a:solidFill>
+                  <a:srgbClr val="FF0000"/>
+                </a:solidFill>
+                <a:latin typeface="Helvetica Light" panose="020B0403020202020204" pitchFamily="34" charset="0"/>
+              </a:rPr>
+              <a:t>The latest updates may be first available in GitHub</a:t>
+            </a:r>
+            <a:br>
+              <a:rPr kumimoji="1" lang="en-US" altLang="ko-KR" b="1" dirty="0">
+                <a:solidFill>
+                  <a:srgbClr val="FF0000"/>
+                </a:solidFill>
+                <a:latin typeface="Helvetica Light" panose="020B0403020202020204" pitchFamily="34" charset="0"/>
+              </a:rPr>
+            </a:br>
+            <a:r>
+              <a:rPr kumimoji="1" lang="en-US" altLang="ko-KR" b="1" dirty="0">
+                <a:solidFill>
+                  <a:srgbClr val="FF0000"/>
+                </a:solidFill>
+                <a:latin typeface="Helvetica Light" panose="020B0403020202020204" pitchFamily="34" charset="0"/>
+              </a:rPr>
+              <a:t>https://github.com/minjunJchoi/fluctana</a:t>
+            </a:r>
+            <a:endParaRPr kumimoji="1" lang="ko-KR" altLang="en-US" b="1" dirty="0" err="1">
+              <a:solidFill>
+                <a:srgbClr val="FF0000"/>
+              </a:solidFill>
+              <a:latin typeface="Helvetica Light" panose="020B0403020202020204" pitchFamily="34" charset="0"/>
+            </a:endParaRPr>
+          </a:p>
+        </p:txBody>
+      </p:sp>
     </p:spTree>
     <p:extLst>
       <p:ext uri="{BB962C8B-B14F-4D97-AF65-F5344CB8AC3E}">
@@ -8924,7 +8988,7 @@
             </a:r>
             <a:r>
               <a:rPr lang="en-US" altLang="ko-KR" sz="2000" kern="0" dirty="0" err="1"/>
-              <a:t>iKSTAR</a:t>
+              <a:t>nKSTAR</a:t>
             </a:r>
             <a:r>
               <a:rPr lang="en-US" altLang="ko-KR" sz="2000" kern="0" dirty="0"/>
